--- a/docs/AI Workshop.pptx
+++ b/docs/AI Workshop.pptx
@@ -10251,6 +10251,22 @@
               <a:t>Final Prompt File</a:t>
             </a:r>
           </a:p>
+          <a:p>
+            <a:r>
+              <a:rPr lang="en-US" dirty="0"/>
+              <a:t>(</a:t>
+            </a:r>
+            <a:r>
+              <a:rPr lang="en-US" dirty="0">
+                <a:latin typeface="Consolas" panose="020B0609020204030204" pitchFamily="49" charset="0"/>
+              </a:rPr>
+              <a:t>prompts/game_design_prompt_snake.md</a:t>
+            </a:r>
+            <a:r>
+              <a:rPr lang="en-US" dirty="0"/>
+              <a:t>)</a:t>
+            </a:r>
+          </a:p>
         </p:txBody>
       </p:sp>
       <p:sp>
@@ -10310,8 +10326,43 @@
         </p:blipFill>
         <p:spPr>
           <a:xfrm>
-            <a:off x="457200" y="1905000"/>
+            <a:off x="609600" y="2133600"/>
             <a:ext cx="6020109" cy="3391074"/>
+          </a:xfrm>
+          <a:prstGeom prst="rect">
+            <a:avLst/>
+          </a:prstGeom>
+          <a:ln>
+            <a:solidFill>
+              <a:schemeClr val="accent1"/>
+            </a:solidFill>
+          </a:ln>
+        </p:spPr>
+      </p:pic>
+      <p:pic>
+        <p:nvPicPr>
+          <p:cNvPr id="6" name="Picture 5">
+            <a:extLst>
+              <a:ext uri="{FF2B5EF4-FFF2-40B4-BE49-F238E27FC236}">
+                <a16:creationId xmlns:a16="http://schemas.microsoft.com/office/drawing/2014/main" id="{05E007C9-7AAD-FF3E-935F-522B1D0BE85F}"/>
+              </a:ext>
+            </a:extLst>
+          </p:cNvPr>
+          <p:cNvPicPr>
+            <a:picLocks noChangeAspect="1"/>
+          </p:cNvPicPr>
+          <p:nvPr/>
+        </p:nvPicPr>
+        <p:blipFill>
+          <a:blip r:embed="rId4"/>
+          <a:stretch>
+            <a:fillRect/>
+          </a:stretch>
+        </p:blipFill>
+        <p:spPr>
+          <a:xfrm>
+            <a:off x="4191000" y="2924188"/>
+            <a:ext cx="4698958" cy="3260058"/>
           </a:xfrm>
           <a:prstGeom prst="rect">
             <a:avLst/>
@@ -11144,55 +11195,111 @@
           </a:p>
         </p:txBody>
       </p:sp>
-      <p:sp>
-        <p:nvSpPr>
-          <p:cNvPr id="9" name="TextBox 8">
+      <p:grpSp>
+        <p:nvGrpSpPr>
+          <p:cNvPr id="5" name="Group 4">
             <a:extLst>
               <a:ext uri="{FF2B5EF4-FFF2-40B4-BE49-F238E27FC236}">
-                <a16:creationId xmlns:a16="http://schemas.microsoft.com/office/drawing/2014/main" id="{7E0BA0BF-8B28-0C22-F625-D9BC84522BE2}"/>
+                <a16:creationId xmlns:a16="http://schemas.microsoft.com/office/drawing/2014/main" id="{DCA2691A-2A2E-469F-2A5C-294E241E549E}"/>
               </a:ext>
             </a:extLst>
           </p:cNvPr>
-          <p:cNvSpPr txBox="1"/>
+          <p:cNvGrpSpPr/>
           <p:nvPr/>
-        </p:nvSpPr>
-        <p:spPr>
+        </p:nvGrpSpPr>
+        <p:grpSpPr>
           <a:xfrm>
-            <a:off x="3886200" y="5486400"/>
-            <a:ext cx="5105400" cy="646331"/>
+            <a:off x="3886200" y="1207323"/>
+            <a:ext cx="5105400" cy="4925408"/>
+            <a:chOff x="3886200" y="1207323"/>
+            <a:chExt cx="5105400" cy="4925408"/>
           </a:xfrm>
-          <a:prstGeom prst="rect">
-            <a:avLst/>
-          </a:prstGeom>
-          <a:noFill/>
-        </p:spPr>
-        <p:txBody>
-          <a:bodyPr wrap="square">
-            <a:spAutoFit/>
-          </a:bodyPr>
-          <a:lstStyle/>
-          <a:p>
-            <a:r>
-              <a:rPr lang="en-US" b="1" dirty="0">
+        </p:grpSpPr>
+        <p:sp>
+          <p:nvSpPr>
+            <p:cNvPr id="6" name="TextBox 5">
+              <a:extLst>
+                <a:ext uri="{FF2B5EF4-FFF2-40B4-BE49-F238E27FC236}">
+                  <a16:creationId xmlns:a16="http://schemas.microsoft.com/office/drawing/2014/main" id="{93A43CD3-7A79-7E10-DFE9-AEEFEE1585BC}"/>
+                </a:ext>
+              </a:extLst>
+            </p:cNvPr>
+            <p:cNvSpPr txBox="1"/>
+            <p:nvPr/>
+          </p:nvSpPr>
+          <p:spPr>
+            <a:xfrm>
+              <a:off x="3886200" y="5486400"/>
+              <a:ext cx="5105400" cy="646331"/>
+            </a:xfrm>
+            <a:prstGeom prst="rect">
+              <a:avLst/>
+            </a:prstGeom>
+            <a:noFill/>
+          </p:spPr>
+          <p:txBody>
+            <a:bodyPr wrap="square">
+              <a:spAutoFit/>
+            </a:bodyPr>
+            <a:lstStyle/>
+            <a:p>
+              <a:r>
+                <a:rPr lang="en-US" b="1" dirty="0">
+                  <a:latin typeface="Consolas" panose="020B0609020204030204" pitchFamily="49" charset="0"/>
+                </a:rPr>
+                <a:t>Workshop GitHub Repository:</a:t>
+              </a:r>
+            </a:p>
+            <a:p>
+              <a:r>
+                <a:rPr lang="en-US" b="1" dirty="0">
+                  <a:latin typeface="Consolas" panose="020B0609020204030204" pitchFamily="49" charset="0"/>
+                  <a:hlinkClick r:id="rId3"/>
+                </a:rPr>
+                <a:t>https://github.com/tisage/game-llm/</a:t>
+              </a:r>
+              <a:endParaRPr lang="en-US" b="1" dirty="0">
                 <a:latin typeface="Consolas" panose="020B0609020204030204" pitchFamily="49" charset="0"/>
-              </a:rPr>
-              <a:t>Workshop GitHub Repository:</a:t>
-            </a:r>
-          </a:p>
-          <a:p>
-            <a:r>
-              <a:rPr lang="en-US" b="1" dirty="0">
-                <a:latin typeface="Consolas" panose="020B0609020204030204" pitchFamily="49" charset="0"/>
-                <a:hlinkClick r:id="rId3"/>
-              </a:rPr>
-              <a:t>https://github.com/tisage/game-llm/</a:t>
-            </a:r>
-            <a:endParaRPr lang="en-US" b="1" dirty="0">
-              <a:latin typeface="Consolas" panose="020B0609020204030204" pitchFamily="49" charset="0"/>
-            </a:endParaRPr>
-          </a:p>
-        </p:txBody>
-      </p:sp>
+              </a:endParaRPr>
+            </a:p>
+          </p:txBody>
+        </p:sp>
+        <p:pic>
+          <p:nvPicPr>
+            <p:cNvPr id="7" name="Picture 6">
+              <a:extLst>
+                <a:ext uri="{FF2B5EF4-FFF2-40B4-BE49-F238E27FC236}">
+                  <a16:creationId xmlns:a16="http://schemas.microsoft.com/office/drawing/2014/main" id="{8E120465-5520-B1E9-2772-A5664D028818}"/>
+                </a:ext>
+              </a:extLst>
+            </p:cNvPr>
+            <p:cNvPicPr>
+              <a:picLocks noChangeAspect="1"/>
+            </p:cNvPicPr>
+            <p:nvPr/>
+          </p:nvPicPr>
+          <p:blipFill>
+            <a:blip r:embed="rId4"/>
+            <a:stretch>
+              <a:fillRect/>
+            </a:stretch>
+          </p:blipFill>
+          <p:spPr>
+            <a:xfrm>
+              <a:off x="4337050" y="1207323"/>
+              <a:ext cx="4203700" cy="4038600"/>
+            </a:xfrm>
+            <a:prstGeom prst="rect">
+              <a:avLst/>
+            </a:prstGeom>
+            <a:ln>
+              <a:solidFill>
+                <a:schemeClr val="accent1"/>
+              </a:solidFill>
+            </a:ln>
+          </p:spPr>
+        </p:pic>
+      </p:grpSp>
     </p:spTree>
     <p:extLst>
       <p:ext uri="{BB962C8B-B14F-4D97-AF65-F5344CB8AC3E}">
@@ -11613,55 +11720,111 @@
           </a:p>
         </p:txBody>
       </p:sp>
-      <p:sp>
-        <p:nvSpPr>
-          <p:cNvPr id="5" name="TextBox 4">
+      <p:grpSp>
+        <p:nvGrpSpPr>
+          <p:cNvPr id="8" name="Group 7">
             <a:extLst>
               <a:ext uri="{FF2B5EF4-FFF2-40B4-BE49-F238E27FC236}">
-                <a16:creationId xmlns:a16="http://schemas.microsoft.com/office/drawing/2014/main" id="{817FAE0C-80B6-0CFF-41A5-04E6E82718BD}"/>
+                <a16:creationId xmlns:a16="http://schemas.microsoft.com/office/drawing/2014/main" id="{D94FFDA9-479B-4F01-CFA0-8E4F53733C27}"/>
               </a:ext>
             </a:extLst>
           </p:cNvPr>
-          <p:cNvSpPr txBox="1"/>
+          <p:cNvGrpSpPr/>
           <p:nvPr/>
-        </p:nvSpPr>
-        <p:spPr>
+        </p:nvGrpSpPr>
+        <p:grpSpPr>
           <a:xfrm>
-            <a:off x="3886200" y="5486400"/>
-            <a:ext cx="5105400" cy="646331"/>
+            <a:off x="3886200" y="1207323"/>
+            <a:ext cx="5105400" cy="4925408"/>
+            <a:chOff x="3886200" y="1207323"/>
+            <a:chExt cx="5105400" cy="4925408"/>
           </a:xfrm>
-          <a:prstGeom prst="rect">
-            <a:avLst/>
-          </a:prstGeom>
-          <a:noFill/>
-        </p:spPr>
-        <p:txBody>
-          <a:bodyPr wrap="square">
-            <a:spAutoFit/>
-          </a:bodyPr>
-          <a:lstStyle/>
-          <a:p>
-            <a:r>
-              <a:rPr lang="en-US" b="1" dirty="0">
+        </p:grpSpPr>
+        <p:sp>
+          <p:nvSpPr>
+            <p:cNvPr id="5" name="TextBox 4">
+              <a:extLst>
+                <a:ext uri="{FF2B5EF4-FFF2-40B4-BE49-F238E27FC236}">
+                  <a16:creationId xmlns:a16="http://schemas.microsoft.com/office/drawing/2014/main" id="{817FAE0C-80B6-0CFF-41A5-04E6E82718BD}"/>
+                </a:ext>
+              </a:extLst>
+            </p:cNvPr>
+            <p:cNvSpPr txBox="1"/>
+            <p:nvPr/>
+          </p:nvSpPr>
+          <p:spPr>
+            <a:xfrm>
+              <a:off x="3886200" y="5486400"/>
+              <a:ext cx="5105400" cy="646331"/>
+            </a:xfrm>
+            <a:prstGeom prst="rect">
+              <a:avLst/>
+            </a:prstGeom>
+            <a:noFill/>
+          </p:spPr>
+          <p:txBody>
+            <a:bodyPr wrap="square">
+              <a:spAutoFit/>
+            </a:bodyPr>
+            <a:lstStyle/>
+            <a:p>
+              <a:r>
+                <a:rPr lang="en-US" b="1" dirty="0">
+                  <a:latin typeface="Consolas" panose="020B0609020204030204" pitchFamily="49" charset="0"/>
+                </a:rPr>
+                <a:t>Workshop GitHub Repository:</a:t>
+              </a:r>
+            </a:p>
+            <a:p>
+              <a:r>
+                <a:rPr lang="en-US" b="1" dirty="0">
+                  <a:latin typeface="Consolas" panose="020B0609020204030204" pitchFamily="49" charset="0"/>
+                  <a:hlinkClick r:id="rId3"/>
+                </a:rPr>
+                <a:t>https://github.com/tisage/game-llm/</a:t>
+              </a:r>
+              <a:endParaRPr lang="en-US" b="1" dirty="0">
                 <a:latin typeface="Consolas" panose="020B0609020204030204" pitchFamily="49" charset="0"/>
-              </a:rPr>
-              <a:t>Workshop GitHub Repository:</a:t>
-            </a:r>
-          </a:p>
-          <a:p>
-            <a:r>
-              <a:rPr lang="en-US" b="1" dirty="0">
-                <a:latin typeface="Consolas" panose="020B0609020204030204" pitchFamily="49" charset="0"/>
-                <a:hlinkClick r:id="rId3"/>
-              </a:rPr>
-              <a:t>https://github.com/tisage/game-llm/</a:t>
-            </a:r>
-            <a:endParaRPr lang="en-US" b="1" dirty="0">
-              <a:latin typeface="Consolas" panose="020B0609020204030204" pitchFamily="49" charset="0"/>
-            </a:endParaRPr>
-          </a:p>
-        </p:txBody>
-      </p:sp>
+              </a:endParaRPr>
+            </a:p>
+          </p:txBody>
+        </p:sp>
+        <p:pic>
+          <p:nvPicPr>
+            <p:cNvPr id="7" name="Picture 6">
+              <a:extLst>
+                <a:ext uri="{FF2B5EF4-FFF2-40B4-BE49-F238E27FC236}">
+                  <a16:creationId xmlns:a16="http://schemas.microsoft.com/office/drawing/2014/main" id="{CAD4FBC7-360A-45DD-DF72-F2BBA5AA4C30}"/>
+                </a:ext>
+              </a:extLst>
+            </p:cNvPr>
+            <p:cNvPicPr>
+              <a:picLocks noChangeAspect="1"/>
+            </p:cNvPicPr>
+            <p:nvPr/>
+          </p:nvPicPr>
+          <p:blipFill>
+            <a:blip r:embed="rId4"/>
+            <a:stretch>
+              <a:fillRect/>
+            </a:stretch>
+          </p:blipFill>
+          <p:spPr>
+            <a:xfrm>
+              <a:off x="4337050" y="1207323"/>
+              <a:ext cx="4203700" cy="4038600"/>
+            </a:xfrm>
+            <a:prstGeom prst="rect">
+              <a:avLst/>
+            </a:prstGeom>
+            <a:ln>
+              <a:solidFill>
+                <a:schemeClr val="accent1"/>
+              </a:solidFill>
+            </a:ln>
+          </p:spPr>
+        </p:pic>
+      </p:grpSp>
     </p:spTree>
     <p:extLst>
       <p:ext uri="{BB962C8B-B14F-4D97-AF65-F5344CB8AC3E}">
@@ -12453,7 +12616,7 @@
         <p:spPr bwMode="auto">
           <a:xfrm>
             <a:off x="228600" y="2306540"/>
-            <a:ext cx="5076825" cy="3752850"/>
+            <a:ext cx="3477027" cy="2570260"/>
           </a:xfrm>
           <a:prstGeom prst="rect">
             <a:avLst/>
@@ -12563,10 +12726,10 @@
       </p:sp>
       <p:pic>
         <p:nvPicPr>
-          <p:cNvPr id="7" name="Picture 6">
+          <p:cNvPr id="5" name="Picture 4">
             <a:extLst>
               <a:ext uri="{FF2B5EF4-FFF2-40B4-BE49-F238E27FC236}">
-                <a16:creationId xmlns:a16="http://schemas.microsoft.com/office/drawing/2014/main" id="{ED33327F-9369-7EC7-37B1-BAF0A0BB67B5}"/>
+                <a16:creationId xmlns:a16="http://schemas.microsoft.com/office/drawing/2014/main" id="{9D974CE6-0EE7-C472-8616-2DE7262B6309}"/>
               </a:ext>
             </a:extLst>
           </p:cNvPr>
@@ -12583,8 +12746,8 @@
         </p:blipFill>
         <p:spPr>
           <a:xfrm>
-            <a:off x="5774447" y="4800600"/>
-            <a:ext cx="2900530" cy="1409819"/>
+            <a:off x="4772911" y="2895600"/>
+            <a:ext cx="4091070" cy="3226568"/>
           </a:xfrm>
           <a:prstGeom prst="rect">
             <a:avLst/>
@@ -13373,6 +13536,36 @@
           </p:sp>
         </p:grpSp>
       </p:grpSp>
+      <p:pic>
+        <p:nvPicPr>
+          <p:cNvPr id="7" name="Picture 6">
+            <a:extLst>
+              <a:ext uri="{FF2B5EF4-FFF2-40B4-BE49-F238E27FC236}">
+                <a16:creationId xmlns:a16="http://schemas.microsoft.com/office/drawing/2014/main" id="{ED33327F-9369-7EC7-37B1-BAF0A0BB67B5}"/>
+              </a:ext>
+            </a:extLst>
+          </p:cNvPr>
+          <p:cNvPicPr>
+            <a:picLocks noChangeAspect="1"/>
+          </p:cNvPicPr>
+          <p:nvPr/>
+        </p:nvPicPr>
+        <p:blipFill>
+          <a:blip r:embed="rId9"/>
+          <a:stretch>
+            <a:fillRect/>
+          </a:stretch>
+        </p:blipFill>
+        <p:spPr>
+          <a:xfrm>
+            <a:off x="7098011" y="5257066"/>
+            <a:ext cx="1863924" cy="905971"/>
+          </a:xfrm>
+          <a:prstGeom prst="rect">
+            <a:avLst/>
+          </a:prstGeom>
+        </p:spPr>
+      </p:pic>
     </p:spTree>
     <p:extLst>
       <p:ext uri="{BB962C8B-B14F-4D97-AF65-F5344CB8AC3E}">
@@ -14017,22 +14210,12 @@
             <a:r>
               <a:rPr lang="en-US" sz="1400" b="0" dirty="0">
                 <a:solidFill>
-                  <a:srgbClr val="0451A5"/>
+                  <a:srgbClr val="000000"/>
                 </a:solidFill>
                 <a:effectLst/>
                 <a:latin typeface="Consolas" panose="020B0609020204030204" pitchFamily="49" charset="0"/>
               </a:rPr>
-              <a:t>*</a:t>
-            </a:r>
-            <a:r>
-              <a:rPr lang="en-US" sz="1400" b="0" dirty="0">
-                <a:solidFill>
-                  <a:srgbClr val="000000"/>
-                </a:solidFill>
-                <a:effectLst/>
-                <a:latin typeface="Consolas" panose="020B0609020204030204" pitchFamily="49" charset="0"/>
-              </a:rPr>
-              <a:t>   </a:t>
+              <a:t> </a:t>
             </a:r>
             <a:r>
               <a:rPr lang="en-US" sz="1400" b="1" dirty="0">
@@ -14172,22 +14355,12 @@
             <a:r>
               <a:rPr lang="en-US" sz="1400" b="0" dirty="0">
                 <a:solidFill>
-                  <a:srgbClr val="0451A5"/>
+                  <a:srgbClr val="000000"/>
                 </a:solidFill>
                 <a:effectLst/>
                 <a:latin typeface="Consolas" panose="020B0609020204030204" pitchFamily="49" charset="0"/>
               </a:rPr>
-              <a:t>*</a:t>
-            </a:r>
-            <a:r>
-              <a:rPr lang="en-US" sz="1400" b="0" dirty="0">
-                <a:solidFill>
-                  <a:srgbClr val="000000"/>
-                </a:solidFill>
-                <a:effectLst/>
-                <a:latin typeface="Consolas" panose="020B0609020204030204" pitchFamily="49" charset="0"/>
-              </a:rPr>
-              <a:t>   </a:t>
+              <a:t> </a:t>
             </a:r>
             <a:r>
               <a:rPr lang="en-US" sz="1400" b="1" dirty="0">
@@ -14569,7 +14742,12 @@
             <p:ph idx="1"/>
           </p:nvPr>
         </p:nvSpPr>
-        <p:spPr/>
+        <p:spPr>
+          <a:xfrm>
+            <a:off x="0" y="1143004"/>
+            <a:ext cx="6172200" cy="4525963"/>
+          </a:xfrm>
+        </p:spPr>
         <p:txBody>
           <a:bodyPr/>
           <a:lstStyle/>
@@ -14654,8 +14832,8 @@
         </p:nvSpPr>
         <p:spPr>
           <a:xfrm>
-            <a:off x="457200" y="3215286"/>
-            <a:ext cx="8382000" cy="2482090"/>
+            <a:off x="990600" y="3806001"/>
+            <a:ext cx="8077200" cy="2482090"/>
           </a:xfrm>
           <a:prstGeom prst="rect">
             <a:avLst/>
@@ -14703,26 +14881,6 @@
               </a:lnSpc>
             </a:pPr>
             <a:r>
-              <a:rPr lang="en-US" sz="1400" b="0" dirty="0">
-                <a:solidFill>
-                  <a:srgbClr val="0451A5"/>
-                </a:solidFill>
-                <a:effectLst/>
-                <a:latin typeface="Consolas" panose="020B0609020204030204" pitchFamily="49" charset="0"/>
-              </a:rPr>
-              <a:t>*</a:t>
-            </a:r>
-            <a:r>
-              <a:rPr lang="en-US" sz="1400" b="0" dirty="0">
-                <a:solidFill>
-                  <a:srgbClr val="000000"/>
-                </a:solidFill>
-                <a:effectLst/>
-                <a:latin typeface="Consolas" panose="020B0609020204030204" pitchFamily="49" charset="0"/>
-              </a:rPr>
-              <a:t>   </a:t>
-            </a:r>
-            <a:r>
               <a:rPr lang="en-US" sz="1400" b="1" dirty="0">
                 <a:solidFill>
                   <a:srgbClr val="000080"/>
@@ -14754,7 +14912,7 @@
                 <a:effectLst/>
                 <a:latin typeface="Consolas" panose="020B0609020204030204" pitchFamily="49" charset="0"/>
               </a:rPr>
-              <a:t>    </a:t>
+              <a:t>  </a:t>
             </a:r>
             <a:r>
               <a:rPr lang="en-US" sz="1400" b="0" dirty="0">
@@ -14791,7 +14949,7 @@
                 <a:effectLst/>
                 <a:latin typeface="Consolas" panose="020B0609020204030204" pitchFamily="49" charset="0"/>
               </a:rPr>
-              <a:t>    </a:t>
+              <a:t>  </a:t>
             </a:r>
             <a:r>
               <a:rPr lang="en-US" sz="1400" b="0" dirty="0">
@@ -14828,7 +14986,7 @@
                 <a:effectLst/>
                 <a:latin typeface="Consolas" panose="020B0609020204030204" pitchFamily="49" charset="0"/>
               </a:rPr>
-              <a:t>    </a:t>
+              <a:t>  </a:t>
             </a:r>
             <a:r>
               <a:rPr lang="en-US" sz="1400" b="0" dirty="0">
@@ -14865,7 +15023,7 @@
                 <a:effectLst/>
                 <a:latin typeface="Consolas" panose="020B0609020204030204" pitchFamily="49" charset="0"/>
               </a:rPr>
-              <a:t>    </a:t>
+              <a:t>  </a:t>
             </a:r>
             <a:r>
               <a:rPr lang="en-US" sz="1400" b="0" dirty="0">
@@ -14904,26 +15062,6 @@
               </a:rPr>
             </a:br>
             <a:r>
-              <a:rPr lang="en-US" sz="1400" b="0" dirty="0">
-                <a:solidFill>
-                  <a:srgbClr val="0451A5"/>
-                </a:solidFill>
-                <a:effectLst/>
-                <a:latin typeface="Consolas" panose="020B0609020204030204" pitchFamily="49" charset="0"/>
-              </a:rPr>
-              <a:t>*</a:t>
-            </a:r>
-            <a:r>
-              <a:rPr lang="en-US" sz="1400" b="0" dirty="0">
-                <a:solidFill>
-                  <a:srgbClr val="000000"/>
-                </a:solidFill>
-                <a:effectLst/>
-                <a:latin typeface="Consolas" panose="020B0609020204030204" pitchFamily="49" charset="0"/>
-              </a:rPr>
-              <a:t>   </a:t>
-            </a:r>
-            <a:r>
               <a:rPr lang="en-US" sz="1400" b="1" dirty="0">
                 <a:solidFill>
                   <a:srgbClr val="000080"/>
@@ -14955,7 +15093,7 @@
                 <a:effectLst/>
                 <a:latin typeface="Consolas" panose="020B0609020204030204" pitchFamily="49" charset="0"/>
               </a:rPr>
-              <a:t>    </a:t>
+              <a:t>  </a:t>
             </a:r>
             <a:r>
               <a:rPr lang="en-US" sz="1400" b="0" dirty="0">
@@ -14992,7 +15130,7 @@
                 <a:effectLst/>
                 <a:latin typeface="Consolas" panose="020B0609020204030204" pitchFamily="49" charset="0"/>
               </a:rPr>
-              <a:t>    </a:t>
+              <a:t>  </a:t>
             </a:r>
             <a:r>
               <a:rPr lang="en-US" sz="1400" b="0" dirty="0">
@@ -15017,6 +15155,36 @@
           </a:p>
         </p:txBody>
       </p:sp>
+      <p:pic>
+        <p:nvPicPr>
+          <p:cNvPr id="5" name="Picture 4">
+            <a:extLst>
+              <a:ext uri="{FF2B5EF4-FFF2-40B4-BE49-F238E27FC236}">
+                <a16:creationId xmlns:a16="http://schemas.microsoft.com/office/drawing/2014/main" id="{4CCA507E-F13D-94F8-7904-4F9A54D5A2AC}"/>
+              </a:ext>
+            </a:extLst>
+          </p:cNvPr>
+          <p:cNvPicPr>
+            <a:picLocks noChangeAspect="1"/>
+          </p:cNvPicPr>
+          <p:nvPr/>
+        </p:nvPicPr>
+        <p:blipFill>
+          <a:blip r:embed="rId3"/>
+          <a:stretch>
+            <a:fillRect/>
+          </a:stretch>
+        </p:blipFill>
+        <p:spPr>
+          <a:xfrm>
+            <a:off x="6160325" y="1406841"/>
+            <a:ext cx="2774756" cy="2188410"/>
+          </a:xfrm>
+          <a:prstGeom prst="rect">
+            <a:avLst/>
+          </a:prstGeom>
+        </p:spPr>
+      </p:pic>
     </p:spTree>
     <p:extLst>
       <p:ext uri="{BB962C8B-B14F-4D97-AF65-F5344CB8AC3E}">

--- a/docs/AI Workshop.pptx
+++ b/docs/AI Workshop.pptx
@@ -3303,7 +3303,7 @@
               <a:pPr>
                 <a:defRPr/>
               </a:pPr>
-              <a:t>11/10/2025</a:t>
+              <a:t>11/11/2025</a:t>
             </a:fld>
             <a:endParaRPr lang="en-US" dirty="0">
               <a:latin typeface="Calibri" panose="020F0502020204030204" pitchFamily="34" charset="0"/>
@@ -3515,7 +3515,7 @@
               <a:pPr>
                 <a:defRPr/>
               </a:pPr>
-              <a:t>11/10/2025</a:t>
+              <a:t>11/11/2025</a:t>
             </a:fld>
             <a:endParaRPr lang="en-US" dirty="0"/>
           </a:p>
@@ -3883,18 +3883,6 @@
                 <a:spcPts val="1200"/>
               </a:spcAft>
             </a:pPr>
-            <a:r>
-              <a:rPr lang="en-US" b="0" i="0" dirty="0">
-                <a:solidFill>
-                  <a:srgbClr val="000000"/>
-                </a:solidFill>
-                <a:effectLst/>
-                <a:latin typeface="-apple-system"/>
-              </a:rPr>
-              <a:t>"Good [morning/afternoon], committee members. Thank you for your time today. I'm here to present a proposal for a new course: CISC3XX - Applied Generative AI and LLM Applications.</a:t>
-            </a:r>
-          </a:p>
-          <a:p>
             <a:endParaRPr lang="en-US" dirty="0"/>
           </a:p>
         </p:txBody>
@@ -3987,17 +3975,27 @@
           <a:p>
             <a:pPr algn="l">
               <a:buFont typeface="Arial" panose="020B0604020202020204" pitchFamily="34" charset="0"/>
-              <a:buChar char="•"/>
+              <a:buNone/>
             </a:pPr>
             <a:r>
-              <a:rPr lang="en-US" b="1" i="0" dirty="0">
+              <a:rPr lang="en-US" b="0" i="0" dirty="0">
                 <a:solidFill>
                   <a:srgbClr val="000000"/>
                 </a:solidFill>
                 <a:effectLst/>
                 <a:latin typeface="-apple-system"/>
               </a:rPr>
-              <a:t>Speaker Script:</a:t>
+              <a:t>Here, we give technical instructions to our AI developer. We're telling it </a:t>
+            </a:r>
+            <a:r>
+              <a:rPr lang="en-US" b="0" i="1" dirty="0">
+                <a:solidFill>
+                  <a:srgbClr val="000000"/>
+                </a:solidFill>
+                <a:effectLst/>
+                <a:latin typeface="-apple-system"/>
+              </a:rPr>
+              <a:t>how</a:t>
             </a:r>
             <a:r>
               <a:rPr lang="en-US" b="0" i="0" dirty="0">
@@ -4007,27 +4005,7 @@
                 <a:effectLst/>
                 <a:latin typeface="-apple-system"/>
               </a:rPr>
-              <a:t> "Here, we give technical instructions to our AI developer. We're telling it </a:t>
-            </a:r>
-            <a:r>
-              <a:rPr lang="en-US" b="0" i="1" dirty="0">
-                <a:solidFill>
-                  <a:srgbClr val="000000"/>
-                </a:solidFill>
-                <a:effectLst/>
-                <a:latin typeface="-apple-system"/>
-              </a:rPr>
-              <a:t>how</a:t>
-            </a:r>
-            <a:r>
-              <a:rPr lang="en-US" b="0" i="0" dirty="0">
-                <a:solidFill>
-                  <a:srgbClr val="000000"/>
-                </a:solidFill>
-                <a:effectLst/>
-                <a:latin typeface="-apple-system"/>
-              </a:rPr>
-              <a:t> to build the game."</a:t>
+              <a:t> to build the game.</a:t>
             </a:r>
           </a:p>
           <a:p>
@@ -4035,51 +4013,64 @@
               <a:buFont typeface="Arial" panose="020B0604020202020204" pitchFamily="34" charset="0"/>
               <a:buChar char="•"/>
             </a:pPr>
-            <a:r>
-              <a:rPr lang="en-US" b="1" i="0" dirty="0">
-                <a:solidFill>
-                  <a:srgbClr val="000000"/>
-                </a:solidFill>
-                <a:effectLst/>
-                <a:latin typeface="-apple-system"/>
-              </a:rPr>
-              <a:t>Language and Library:</a:t>
-            </a:r>
-            <a:r>
-              <a:rPr lang="en-US" b="0" i="0" dirty="0">
-                <a:solidFill>
-                  <a:srgbClr val="000000"/>
-                </a:solidFill>
-                <a:effectLst/>
-                <a:latin typeface="-apple-system"/>
-              </a:rPr>
-              <a:t> Be explicit. (e.g., Use Python 3 and the </a:t>
-            </a:r>
-            <a:r>
-              <a:rPr lang="en-US" b="0" i="0" dirty="0" err="1">
-                <a:solidFill>
-                  <a:srgbClr val="000000"/>
-                </a:solidFill>
-                <a:effectLst/>
-                <a:latin typeface="-apple-system"/>
-              </a:rPr>
-              <a:t>pygame</a:t>
-            </a:r>
-            <a:r>
-              <a:rPr lang="en-US" b="0" i="0" dirty="0">
-                <a:solidFill>
-                  <a:srgbClr val="000000"/>
-                </a:solidFill>
-                <a:effectLst/>
-                <a:latin typeface="-apple-system"/>
-              </a:rPr>
-              <a:t> library).</a:t>
-            </a:r>
+            <a:endParaRPr lang="en-US" b="1" i="0" dirty="0">
+              <a:solidFill>
+                <a:srgbClr val="000000"/>
+              </a:solidFill>
+              <a:effectLst/>
+              <a:latin typeface="-apple-system"/>
+            </a:endParaRPr>
           </a:p>
           <a:p>
             <a:pPr algn="l">
               <a:buFont typeface="Arial" panose="020B0604020202020204" pitchFamily="34" charset="0"/>
-              <a:buChar char="•"/>
+              <a:buNone/>
+            </a:pPr>
+            <a:r>
+              <a:rPr lang="en-US" b="1" i="0" dirty="0">
+                <a:solidFill>
+                  <a:srgbClr val="000000"/>
+                </a:solidFill>
+                <a:effectLst/>
+                <a:latin typeface="-apple-system"/>
+              </a:rPr>
+              <a:t>Language and Library:</a:t>
+            </a:r>
+            <a:r>
+              <a:rPr lang="en-US" b="0" i="0" dirty="0">
+                <a:solidFill>
+                  <a:srgbClr val="000000"/>
+                </a:solidFill>
+                <a:effectLst/>
+                <a:latin typeface="-apple-system"/>
+              </a:rPr>
+              <a:t> Be explicit. (e.g., Use Python 3 and the </a:t>
+            </a:r>
+            <a:r>
+              <a:rPr lang="en-US" b="0" i="0" dirty="0" err="1">
+                <a:solidFill>
+                  <a:srgbClr val="000000"/>
+                </a:solidFill>
+                <a:effectLst/>
+                <a:latin typeface="-apple-system"/>
+              </a:rPr>
+              <a:t>pygame</a:t>
+            </a:r>
+            <a:r>
+              <a:rPr lang="en-US" b="0" i="0" dirty="0">
+                <a:solidFill>
+                  <a:srgbClr val="000000"/>
+                </a:solidFill>
+                <a:effectLst/>
+                <a:latin typeface="-apple-system"/>
+              </a:rPr>
+              <a:t> library).</a:t>
+            </a:r>
+          </a:p>
+          <a:p>
+            <a:pPr algn="l">
+              <a:buFont typeface="Arial" panose="020B0604020202020204" pitchFamily="34" charset="0"/>
+              <a:buNone/>
             </a:pPr>
             <a:r>
               <a:rPr lang="en-US" b="1" i="0" dirty="0">
@@ -4243,18 +4234,24 @@
           <a:p>
             <a:pPr algn="l">
               <a:buFont typeface="Arial" panose="020B0604020202020204" pitchFamily="34" charset="0"/>
-              <a:buChar char="•"/>
+              <a:buNone/>
             </a:pPr>
             <a:r>
-              <a:rPr lang="en-US" b="1" i="0" dirty="0">
+              <a:rPr lang="en-US" b="0" i="0" dirty="0">
                 <a:solidFill>
                   <a:srgbClr val="000000"/>
                 </a:solidFill>
                 <a:effectLst/>
                 <a:latin typeface="-apple-system"/>
               </a:rPr>
-              <a:t>Speaker Script:</a:t>
-            </a:r>
+              <a:t>Finally, what do we want at the end? We need to define the final output.</a:t>
+            </a:r>
+          </a:p>
+          <a:p>
+            <a:pPr algn="l">
+              <a:buFont typeface="Arial" panose="020B0604020202020204" pitchFamily="34" charset="0"/>
+              <a:buNone/>
+            </a:pPr>
             <a:r>
               <a:rPr lang="en-US" b="0" i="0" dirty="0">
                 <a:solidFill>
@@ -4263,7 +4260,7 @@
                 <a:effectLst/>
                 <a:latin typeface="-apple-system"/>
               </a:rPr>
-              <a:t> "Finally, what do we want at the end? We need to define the final output."</a:t>
+              <a:t>For a simple game, a single file is often best.</a:t>
             </a:r>
           </a:p>
           <a:p>
@@ -4271,16 +4268,13 @@
               <a:buFont typeface="Arial" panose="020B0604020202020204" pitchFamily="34" charset="0"/>
               <a:buChar char="•"/>
             </a:pPr>
-            <a:r>
-              <a:rPr lang="en-US" b="0" i="0" dirty="0">
-                <a:solidFill>
-                  <a:srgbClr val="000000"/>
-                </a:solidFill>
-                <a:effectLst/>
-                <a:latin typeface="-apple-system"/>
-              </a:rPr>
-              <a:t>For a simple game, a single file is often best.</a:t>
-            </a:r>
+            <a:endParaRPr lang="en-US" b="0" i="0" dirty="0">
+              <a:solidFill>
+                <a:srgbClr val="000000"/>
+              </a:solidFill>
+              <a:effectLst/>
+              <a:latin typeface="-apple-system"/>
+            </a:endParaRPr>
           </a:p>
           <a:p>
             <a:pPr algn="l">
@@ -4417,24 +4411,14 @@
               <a:buNone/>
             </a:pPr>
             <a:r>
-              <a:rPr lang="en-US" b="1" i="0" dirty="0">
+              <a:rPr lang="en-US" b="0" i="0" dirty="0">
                 <a:solidFill>
                   <a:srgbClr val="000000"/>
                 </a:solidFill>
                 <a:effectLst/>
                 <a:latin typeface="-apple-system"/>
               </a:rPr>
-              <a:t>Speaker Script:</a:t>
-            </a:r>
-            <a:r>
-              <a:rPr lang="en-US" b="0" i="0" dirty="0">
-                <a:solidFill>
-                  <a:srgbClr val="000000"/>
-                </a:solidFill>
-                <a:effectLst/>
-                <a:latin typeface="-apple-system"/>
-              </a:rPr>
-              <a:t> "Now, let's put it all together. This is the prompt we would give to our AI assistant."</a:t>
+              <a:t>Now, let's put it all together. This is the prompt we would give to our AI assistant.</a:t>
             </a:r>
           </a:p>
           <a:p>
@@ -4531,110 +4515,10 @@
           <a:bodyPr/>
           <a:lstStyle/>
           <a:p>
-            <a:pPr algn="l">
-              <a:buFont typeface="Arial" panose="020B0604020202020204" pitchFamily="34" charset="0"/>
-              <a:buChar char="•"/>
-            </a:pPr>
-            <a:r>
-              <a:rPr lang="en-US" b="1" i="0" dirty="0">
-                <a:solidFill>
-                  <a:srgbClr val="000000"/>
-                </a:solidFill>
-                <a:effectLst/>
-                <a:latin typeface="-apple-system"/>
-              </a:rPr>
-              <a:t>Common Questions:</a:t>
-            </a:r>
-            <a:endParaRPr lang="en-US" b="0" i="0" dirty="0">
-              <a:solidFill>
-                <a:srgbClr val="000000"/>
-              </a:solidFill>
-              <a:effectLst/>
-              <a:latin typeface="-apple-system"/>
-            </a:endParaRPr>
-          </a:p>
-          <a:p>
-            <a:pPr marL="742950" lvl="1" indent="-285750" algn="l">
-              <a:buFont typeface="Arial" panose="020B0604020202020204" pitchFamily="34" charset="0"/>
-              <a:buChar char="•"/>
-            </a:pPr>
-            <a:r>
-              <a:rPr lang="en-US" b="0" i="0" dirty="0">
-                <a:solidFill>
-                  <a:srgbClr val="000000"/>
-                </a:solidFill>
-                <a:effectLst/>
-                <a:latin typeface="-apple-system"/>
-              </a:rPr>
-              <a:t>What IDE works best for this workflow?</a:t>
-            </a:r>
-          </a:p>
-          <a:p>
-            <a:pPr marL="742950" lvl="1" indent="-285750" algn="l">
-              <a:buFont typeface="Arial" panose="020B0604020202020204" pitchFamily="34" charset="0"/>
-              <a:buChar char="•"/>
-            </a:pPr>
-            <a:r>
-              <a:rPr lang="en-US" b="0" i="0" dirty="0">
-                <a:solidFill>
-                  <a:srgbClr val="000000"/>
-                </a:solidFill>
-                <a:effectLst/>
-                <a:latin typeface="-apple-system"/>
-              </a:rPr>
-              <a:t>Any tips for writing better prompts?</a:t>
-            </a:r>
-          </a:p>
-          <a:p>
-            <a:pPr marL="742950" lvl="1" indent="-285750" algn="l">
-              <a:buFont typeface="Arial" panose="020B0604020202020204" pitchFamily="34" charset="0"/>
-              <a:buChar char="•"/>
-            </a:pPr>
-            <a:r>
-              <a:rPr lang="en-US" b="0" i="0" dirty="0">
-                <a:solidFill>
-                  <a:srgbClr val="000000"/>
-                </a:solidFill>
-                <a:effectLst/>
-                <a:latin typeface="-apple-system"/>
-              </a:rPr>
-              <a:t>How do I handle errors or bugs in generated code?</a:t>
-            </a:r>
-          </a:p>
-          <a:p>
-            <a:pPr marL="742950" lvl="1" indent="-285750" algn="l">
-              <a:buFont typeface="Arial" panose="020B0604020202020204" pitchFamily="34" charset="0"/>
-              <a:buChar char="•"/>
-            </a:pPr>
-            <a:r>
-              <a:rPr lang="en-US" b="0" i="0" dirty="0">
-                <a:solidFill>
-                  <a:srgbClr val="000000"/>
-                </a:solidFill>
-                <a:effectLst/>
-                <a:latin typeface="-apple-system"/>
-              </a:rPr>
-              <a:t>Can I use these prompts with other AI tools?</a:t>
-            </a:r>
-          </a:p>
-          <a:p>
-            <a:pPr marL="742950" lvl="1" indent="-285750" algn="l">
-              <a:buFont typeface="Arial" panose="020B0604020202020204" pitchFamily="34" charset="0"/>
-              <a:buChar char="•"/>
-            </a:pPr>
-            <a:r>
-              <a:rPr lang="en-US" b="0" i="0" dirty="0">
-                <a:solidFill>
-                  <a:srgbClr val="000000"/>
-                </a:solidFill>
-                <a:effectLst/>
-                <a:latin typeface="-apple-system"/>
-              </a:rPr>
-              <a:t>How do I get GitHub Education benefits for free Copilot?</a:t>
-            </a:r>
-          </a:p>
-          <a:p>
-            <a:endParaRPr lang="en-US" dirty="0"/>
+            <a:r>
+              <a:rPr lang="en-US" dirty="0"/>
+              <a:t>Demo</a:t>
+            </a:r>
           </a:p>
         </p:txBody>
       </p:sp>
@@ -4661,6 +4545,199 @@
               <a:pPr>
                 <a:defRPr/>
               </a:pPr>
+              <a:t>13</a:t>
+            </a:fld>
+            <a:endParaRPr lang="en-US" altLang="en-US" dirty="0"/>
+          </a:p>
+        </p:txBody>
+      </p:sp>
+    </p:spTree>
+    <p:extLst>
+      <p:ext uri="{BB962C8B-B14F-4D97-AF65-F5344CB8AC3E}">
+        <p14:creationId xmlns:p14="http://schemas.microsoft.com/office/powerpoint/2010/main" val="1779685327"/>
+      </p:ext>
+    </p:extLst>
+  </p:cSld>
+  <p:clrMapOvr>
+    <a:masterClrMapping/>
+  </p:clrMapOvr>
+</p:notes>
+</file>
+
+<file path=ppt/notesSlides/notesSlide14.xml><?xml version="1.0" encoding="utf-8"?>
+<p:notes xmlns:a="http://schemas.openxmlformats.org/drawingml/2006/main" xmlns:r="http://schemas.openxmlformats.org/officeDocument/2006/relationships" xmlns:p="http://schemas.openxmlformats.org/presentationml/2006/main">
+  <p:cSld>
+    <p:spTree>
+      <p:nvGrpSpPr>
+        <p:cNvPr id="1" name=""/>
+        <p:cNvGrpSpPr/>
+        <p:nvPr/>
+      </p:nvGrpSpPr>
+      <p:grpSpPr>
+        <a:xfrm>
+          <a:off x="0" y="0"/>
+          <a:ext cx="0" cy="0"/>
+          <a:chOff x="0" y="0"/>
+          <a:chExt cx="0" cy="0"/>
+        </a:xfrm>
+      </p:grpSpPr>
+      <p:sp>
+        <p:nvSpPr>
+          <p:cNvPr id="2" name="Slide Image Placeholder 1"/>
+          <p:cNvSpPr>
+            <a:spLocks noGrp="1" noRot="1" noChangeAspect="1"/>
+          </p:cNvSpPr>
+          <p:nvPr>
+            <p:ph type="sldImg"/>
+          </p:nvPr>
+        </p:nvSpPr>
+        <p:spPr/>
+      </p:sp>
+      <p:sp>
+        <p:nvSpPr>
+          <p:cNvPr id="3" name="Notes Placeholder 2"/>
+          <p:cNvSpPr>
+            <a:spLocks noGrp="1"/>
+          </p:cNvSpPr>
+          <p:nvPr>
+            <p:ph type="body" idx="1"/>
+          </p:nvPr>
+        </p:nvSpPr>
+        <p:spPr/>
+        <p:txBody>
+          <a:bodyPr/>
+          <a:lstStyle/>
+          <a:p>
+            <a:pPr algn="l">
+              <a:buFont typeface="Arial" panose="020B0604020202020204" pitchFamily="34" charset="0"/>
+              <a:buChar char="•"/>
+            </a:pPr>
+            <a:r>
+              <a:rPr lang="en-US" b="1" i="0" dirty="0">
+                <a:solidFill>
+                  <a:srgbClr val="000000"/>
+                </a:solidFill>
+                <a:effectLst/>
+                <a:latin typeface="-apple-system"/>
+              </a:rPr>
+              <a:t>Common Questions:</a:t>
+            </a:r>
+            <a:endParaRPr lang="en-US" b="0" i="0" dirty="0">
+              <a:solidFill>
+                <a:srgbClr val="000000"/>
+              </a:solidFill>
+              <a:effectLst/>
+              <a:latin typeface="-apple-system"/>
+            </a:endParaRPr>
+          </a:p>
+          <a:p>
+            <a:pPr marL="742950" lvl="1" indent="-285750" algn="l">
+              <a:buFont typeface="Arial" panose="020B0604020202020204" pitchFamily="34" charset="0"/>
+              <a:buChar char="•"/>
+            </a:pPr>
+            <a:r>
+              <a:rPr lang="en-US" b="0" i="0" dirty="0">
+                <a:solidFill>
+                  <a:srgbClr val="000000"/>
+                </a:solidFill>
+                <a:effectLst/>
+                <a:latin typeface="-apple-system"/>
+              </a:rPr>
+              <a:t>What IDE works best for this workflow?</a:t>
+            </a:r>
+          </a:p>
+          <a:p>
+            <a:pPr marL="742950" lvl="1" indent="-285750" algn="l">
+              <a:buFont typeface="Arial" panose="020B0604020202020204" pitchFamily="34" charset="0"/>
+              <a:buChar char="•"/>
+            </a:pPr>
+            <a:r>
+              <a:rPr lang="en-US" b="0" i="0" dirty="0">
+                <a:solidFill>
+                  <a:srgbClr val="000000"/>
+                </a:solidFill>
+                <a:effectLst/>
+                <a:latin typeface="-apple-system"/>
+              </a:rPr>
+              <a:t>Any tips for writing better prompts?</a:t>
+            </a:r>
+          </a:p>
+          <a:p>
+            <a:pPr marL="742950" lvl="1" indent="-285750" algn="l">
+              <a:buFont typeface="Arial" panose="020B0604020202020204" pitchFamily="34" charset="0"/>
+              <a:buChar char="•"/>
+            </a:pPr>
+            <a:r>
+              <a:rPr lang="en-US" b="0" i="0" dirty="0">
+                <a:solidFill>
+                  <a:srgbClr val="000000"/>
+                </a:solidFill>
+                <a:effectLst/>
+                <a:latin typeface="-apple-system"/>
+              </a:rPr>
+              <a:t>How do I handle errors or bugs in generated code?</a:t>
+            </a:r>
+          </a:p>
+          <a:p>
+            <a:pPr marL="742950" lvl="1" indent="-285750" algn="l">
+              <a:buFont typeface="Arial" panose="020B0604020202020204" pitchFamily="34" charset="0"/>
+              <a:buChar char="•"/>
+            </a:pPr>
+            <a:r>
+              <a:rPr lang="en-US" b="0" i="0" dirty="0">
+                <a:solidFill>
+                  <a:srgbClr val="000000"/>
+                </a:solidFill>
+                <a:effectLst/>
+                <a:latin typeface="-apple-system"/>
+              </a:rPr>
+              <a:t>Can I use these prompts with other AI tools?</a:t>
+            </a:r>
+          </a:p>
+          <a:p>
+            <a:pPr marL="742950" lvl="1" indent="-285750" algn="l">
+              <a:buFont typeface="Arial" panose="020B0604020202020204" pitchFamily="34" charset="0"/>
+              <a:buChar char="•"/>
+            </a:pPr>
+            <a:r>
+              <a:rPr lang="en-US" b="0" i="0" dirty="0">
+                <a:solidFill>
+                  <a:srgbClr val="000000"/>
+                </a:solidFill>
+                <a:effectLst/>
+                <a:latin typeface="-apple-system"/>
+              </a:rPr>
+              <a:t>How do I get GitHub Education benefits for free Copilot?</a:t>
+            </a:r>
+          </a:p>
+          <a:p>
+            <a:endParaRPr lang="en-US" dirty="0"/>
+          </a:p>
+        </p:txBody>
+      </p:sp>
+      <p:sp>
+        <p:nvSpPr>
+          <p:cNvPr id="4" name="Slide Number Placeholder 3"/>
+          <p:cNvSpPr>
+            <a:spLocks noGrp="1"/>
+          </p:cNvSpPr>
+          <p:nvPr>
+            <p:ph type="sldNum" sz="quarter" idx="5"/>
+          </p:nvPr>
+        </p:nvSpPr>
+        <p:spPr/>
+        <p:txBody>
+          <a:bodyPr/>
+          <a:lstStyle/>
+          <a:p>
+            <a:pPr>
+              <a:defRPr/>
+            </a:pPr>
+            <a:fld id="{6BC2A427-9A55-46D7-8A8D-CD61CF48BFD8}" type="slidenum">
+              <a:rPr lang="en-US" altLang="en-US" smtClean="0"/>
+              <a:pPr>
+                <a:defRPr/>
+              </a:pPr>
               <a:t>15</a:t>
             </a:fld>
             <a:endParaRPr lang="en-US" altLang="en-US" dirty="0"/>
@@ -4680,7 +4757,7 @@
 </p:notes>
 </file>
 
-<file path=ppt/notesSlides/notesSlide14.xml><?xml version="1.0" encoding="utf-8"?>
+<file path=ppt/notesSlides/notesSlide15.xml><?xml version="1.0" encoding="utf-8"?>
 <p:notes xmlns:a="http://schemas.openxmlformats.org/drawingml/2006/main" xmlns:r="http://schemas.openxmlformats.org/officeDocument/2006/relationships" xmlns:p="http://schemas.openxmlformats.org/presentationml/2006/main">
   <p:cSld>
     <p:spTree>
@@ -5032,14 +5109,44 @@
           </a:bodyPr>
           <a:lstStyle/>
           <a:p>
-            <a:pPr algn="l"/>
-            <a:endParaRPr lang="en-US" b="0" i="0" dirty="0">
-              <a:solidFill>
-                <a:srgbClr val="333333"/>
-              </a:solidFill>
-              <a:effectLst/>
-              <a:latin typeface="Noto Sans" panose="020B0502040504020204" pitchFamily="34" charset="0"/>
-            </a:endParaRPr>
+            <a:pPr marL="0" marR="0" lvl="0" indent="0" algn="l" defTabSz="914400" rtl="0" eaLnBrk="0" fontAlgn="base" latinLnBrk="0" hangingPunct="0">
+              <a:lnSpc>
+                <a:spcPct val="100000"/>
+              </a:lnSpc>
+              <a:spcBef>
+                <a:spcPct val="30000"/>
+              </a:spcBef>
+              <a:spcAft>
+                <a:spcPct val="0"/>
+              </a:spcAft>
+              <a:buClrTx/>
+              <a:buSzTx/>
+              <a:buFontTx/>
+              <a:buNone/>
+              <a:tabLst/>
+              <a:defRPr/>
+            </a:pPr>
+            <a:r>
+              <a:rPr lang="en-US" b="0" i="0" dirty="0">
+                <a:solidFill>
+                  <a:srgbClr val="000000"/>
+                </a:solidFill>
+                <a:effectLst/>
+                <a:latin typeface="-apple-system"/>
+              </a:rPr>
+              <a:t>"Good [morning/afternoon</a:t>
+            </a:r>
+            <a:r>
+              <a:rPr lang="en-US" b="0" i="0" dirty="0">
+                <a:solidFill>
+                  <a:srgbClr val="333333"/>
+                </a:solidFill>
+                <a:effectLst/>
+                <a:latin typeface="Noto Sans" panose="020B0502040504020204" pitchFamily="34" charset="0"/>
+              </a:rPr>
+              <a:t>"</a:t>
+            </a:r>
+            <a:endParaRPr lang="en-US" dirty="0"/>
           </a:p>
         </p:txBody>
       </p:sp>
@@ -5695,7 +5802,7 @@
           <a:p>
             <a:pPr algn="l">
               <a:buFont typeface="Arial" panose="020B0604020202020204" pitchFamily="34" charset="0"/>
-              <a:buChar char="•"/>
+              <a:buNone/>
             </a:pPr>
             <a:r>
               <a:rPr lang="en-US" b="0" i="0" dirty="0">
@@ -5705,42 +5812,8 @@
                 <a:effectLst/>
                 <a:latin typeface="-apple-system"/>
               </a:rPr>
-              <a:t>"To put this into practice, we're going to design a complete game by writing a single, detailed prompt. Our example will be the classic Snake game."</a:t>
-            </a:r>
-          </a:p>
-          <a:p>
-            <a:pPr algn="l">
-              <a:buFont typeface="Arial" panose="020B0604020202020204" pitchFamily="34" charset="0"/>
-              <a:buChar char="•"/>
-            </a:pPr>
-            <a:r>
-              <a:rPr lang="en-US" b="0" i="0" dirty="0">
-                <a:solidFill>
-                  <a:srgbClr val="000000"/>
-                </a:solidFill>
-                <a:effectLst/>
-                <a:latin typeface="-apple-system"/>
-              </a:rPr>
-              <a:t>We will break down our game design into five clear sections, just like a real design document.</a:t>
-            </a:r>
-          </a:p>
-          <a:p>
-            <a:pPr algn="l">
-              <a:buFont typeface="Arial" panose="020B0604020202020204" pitchFamily="34" charset="0"/>
-              <a:buChar char="•"/>
-            </a:pPr>
-            <a:r>
-              <a:rPr lang="en-US" b="0" i="0" dirty="0">
-                <a:solidFill>
-                  <a:srgbClr val="000000"/>
-                </a:solidFill>
-                <a:effectLst/>
-                <a:latin typeface="-apple-system"/>
-              </a:rPr>
-              <a:t>This process will become the blueprint for our AI to follow.</a:t>
-            </a:r>
-          </a:p>
-          <a:p>
+              <a:t>To put this into practice, we're going to design a complete game by writing a single, detailed prompt. Our example will be the classic Snake game.</a:t>
+            </a:r>
             <a:br>
               <a:rPr lang="en-US" dirty="0"/>
             </a:br>
@@ -5854,7 +5927,7 @@
           <a:p>
             <a:pPr algn="l">
               <a:buFont typeface="Arial" panose="020B0604020202020204" pitchFamily="34" charset="0"/>
-              <a:buChar char="•"/>
+              <a:buNone/>
             </a:pPr>
             <a:r>
               <a:rPr lang="en-US" b="0" i="0" dirty="0">
@@ -5864,29 +5937,13 @@
                 <a:effectLst/>
                 <a:latin typeface="-apple-system"/>
               </a:rPr>
-              <a:t>"To put this into practice, we're going to design a complete game by writing a single, detailed prompt. Our example will be the classic Snake game."</a:t>
+              <a:t>We will break down our game design into five clear sections, just like a real design document.</a:t>
             </a:r>
           </a:p>
           <a:p>
             <a:pPr algn="l">
               <a:buFont typeface="Arial" panose="020B0604020202020204" pitchFamily="34" charset="0"/>
-              <a:buChar char="•"/>
-            </a:pPr>
-            <a:r>
-              <a:rPr lang="en-US" b="0" i="0" dirty="0">
-                <a:solidFill>
-                  <a:srgbClr val="000000"/>
-                </a:solidFill>
-                <a:effectLst/>
-                <a:latin typeface="-apple-system"/>
-              </a:rPr>
-              <a:t>We will break down our game design into five clear sections, just like a real design document.</a:t>
-            </a:r>
-          </a:p>
-          <a:p>
-            <a:pPr algn="l">
-              <a:buFont typeface="Arial" panose="020B0604020202020204" pitchFamily="34" charset="0"/>
-              <a:buChar char="•"/>
+              <a:buNone/>
             </a:pPr>
             <a:r>
               <a:rPr lang="en-US" b="0" i="0" dirty="0">
@@ -6001,34 +6058,37 @@
           <a:p>
             <a:pPr algn="l">
               <a:buFont typeface="Arial" panose="020B0604020202020204" pitchFamily="34" charset="0"/>
-              <a:buChar char="•"/>
+              <a:buNone/>
             </a:pPr>
             <a:r>
-              <a:rPr lang="en-US" b="1" i="0" dirty="0">
+              <a:rPr lang="en-US" b="0" i="0" dirty="0">
                 <a:solidFill>
                   <a:srgbClr val="000000"/>
                 </a:solidFill>
                 <a:effectLst/>
                 <a:latin typeface="-apple-system"/>
               </a:rPr>
-              <a:t>Speaker Script:</a:t>
-            </a:r>
-            <a:r>
-              <a:rPr lang="en-US" b="0" i="0" dirty="0">
-                <a:solidFill>
-                  <a:srgbClr val="000000"/>
-                </a:solidFill>
-                <a:effectLst/>
-                <a:latin typeface="-apple-system"/>
-              </a:rPr>
-              <a:t> "First, we need a high-level goal. What are we building? This is the objective."</a:t>
+              <a:t>First, we need a high-level goal. What are we building? This is the objective.</a:t>
             </a:r>
           </a:p>
           <a:p>
             <a:pPr algn="l">
               <a:buFont typeface="Arial" panose="020B0604020202020204" pitchFamily="34" charset="0"/>
-              <a:buChar char="•"/>
+              <a:buNone/>
             </a:pPr>
+            <a:endParaRPr lang="en-US" b="0" i="0" dirty="0">
+              <a:solidFill>
+                <a:srgbClr val="000000"/>
+              </a:solidFill>
+              <a:effectLst/>
+              <a:latin typeface="-apple-system"/>
+            </a:endParaRPr>
+          </a:p>
+          <a:p>
+            <a:pPr algn="l">
+              <a:buFont typeface="Arial" panose="020B0604020202020204" pitchFamily="34" charset="0"/>
+              <a:buNone/>
+            </a:pPr>
             <a:r>
               <a:rPr lang="en-US" b="0" i="0" dirty="0">
                 <a:solidFill>
@@ -6037,7 +6097,7 @@
                 <a:effectLst/>
                 <a:latin typeface="-apple-system"/>
               </a:rPr>
-              <a:t>It's a simple, one-sentence summary of the project.</a:t>
+              <a:t>It's a simple, a summary of the project.</a:t>
             </a:r>
           </a:p>
           <a:p>
@@ -6175,28 +6235,31 @@
           <a:p>
             <a:pPr algn="l">
               <a:buFont typeface="Arial" panose="020B0604020202020204" pitchFamily="34" charset="0"/>
+              <a:buNone/>
+            </a:pPr>
+            <a:r>
+              <a:rPr lang="en-US" b="0" i="0" dirty="0">
+                <a:solidFill>
+                  <a:srgbClr val="000000"/>
+                </a:solidFill>
+                <a:effectLst/>
+                <a:latin typeface="-apple-system"/>
+              </a:rPr>
+              <a:t>This is the most important part. We need to define the rules of our game. How does it work?</a:t>
+            </a:r>
+          </a:p>
+          <a:p>
+            <a:pPr algn="l">
+              <a:buFont typeface="Arial" panose="020B0604020202020204" pitchFamily="34" charset="0"/>
               <a:buChar char="•"/>
             </a:pPr>
-            <a:r>
-              <a:rPr lang="en-US" b="1" i="0" dirty="0">
-                <a:solidFill>
-                  <a:srgbClr val="000000"/>
-                </a:solidFill>
-                <a:effectLst/>
-                <a:latin typeface="-apple-system"/>
-              </a:rPr>
-              <a:t>Speaker Script:</a:t>
-            </a:r>
-            <a:r>
-              <a:rPr lang="en-US" b="0" i="0" dirty="0">
-                <a:solidFill>
-                  <a:srgbClr val="000000"/>
-                </a:solidFill>
-                <a:effectLst/>
-                <a:latin typeface="-apple-system"/>
-              </a:rPr>
-              <a:t> "This is the most important part. We need to define the rules of our game. How does it work?"</a:t>
-            </a:r>
+            <a:endParaRPr lang="en-US" b="1" i="0" dirty="0">
+              <a:solidFill>
+                <a:srgbClr val="000000"/>
+              </a:solidFill>
+              <a:effectLst/>
+              <a:latin typeface="-apple-system"/>
+            </a:endParaRPr>
           </a:p>
           <a:p>
             <a:pPr algn="l">
@@ -7624,7 +7687,7 @@
           <a:p>
             <a:fld id="{C9296560-EE3C-418D-93A8-4A9C51F16198}" type="datetime1">
               <a:rPr lang="en-US" smtClean="0"/>
-              <a:t>11/10/2025</a:t>
+              <a:t>11/11/2025</a:t>
             </a:fld>
             <a:endParaRPr lang="en-US"/>
           </a:p>
@@ -9051,7 +9114,7 @@
             </a:extLst>
           </p:cNvPr>
           <p:cNvPicPr>
-            <a:picLocks noChangeAspect="1" noChangeArrowheads="1"/>
+            <a:picLocks noGrp="1" noRot="1" noChangeAspect="1" noMove="1" noResize="1" noEditPoints="1" noAdjustHandles="1" noChangeArrowheads="1" noChangeShapeType="1" noCrop="1"/>
           </p:cNvPicPr>
           <p:nvPr/>
         </p:nvPicPr>
@@ -9174,6 +9237,64 @@
             <a:r>
               <a:rPr lang="en-US" dirty="0"/>
               <a:t>Building a Simple Game from Prompts</a:t>
+            </a:r>
+          </a:p>
+        </p:txBody>
+      </p:sp>
+      <p:sp>
+        <p:nvSpPr>
+          <p:cNvPr id="3" name="Thought Bubble: Cloud 2">
+            <a:extLst>
+              <a:ext uri="{FF2B5EF4-FFF2-40B4-BE49-F238E27FC236}">
+                <a16:creationId xmlns:a16="http://schemas.microsoft.com/office/drawing/2014/main" id="{00100495-553F-DC7E-A839-71817401F29D}"/>
+              </a:ext>
+            </a:extLst>
+          </p:cNvPr>
+          <p:cNvSpPr/>
+          <p:nvPr/>
+        </p:nvSpPr>
+        <p:spPr>
+          <a:xfrm>
+            <a:off x="5181600" y="1828800"/>
+            <a:ext cx="2362200" cy="914400"/>
+          </a:xfrm>
+          <a:prstGeom prst="cloudCallout">
+            <a:avLst/>
+          </a:prstGeom>
+          <a:noFill/>
+          <a:ln>
+            <a:solidFill>
+              <a:schemeClr val="bg1"/>
+            </a:solidFill>
+          </a:ln>
+        </p:spPr>
+        <p:style>
+          <a:lnRef idx="2">
+            <a:schemeClr val="accent1">
+              <a:shade val="15000"/>
+            </a:schemeClr>
+          </a:lnRef>
+          <a:fillRef idx="1">
+            <a:schemeClr val="accent1"/>
+          </a:fillRef>
+          <a:effectRef idx="0">
+            <a:schemeClr val="accent1"/>
+          </a:effectRef>
+          <a:fontRef idx="minor">
+            <a:schemeClr val="lt1"/>
+          </a:fontRef>
+        </p:style>
+        <p:txBody>
+          <a:bodyPr rtlCol="0" anchor="ctr"/>
+          <a:lstStyle/>
+          <a:p>
+            <a:pPr algn="ctr"/>
+            <a:r>
+              <a:rPr lang="en-US" sz="3200" b="1" dirty="0">
+                <a:latin typeface="Consolas" panose="020B0609020204030204" pitchFamily="49" charset="0"/>
+                <a:cs typeface="Arial" panose="020B0604020202020204" pitchFamily="34" charset="0"/>
+              </a:rPr>
+              <a:t>Vibe</a:t>
             </a:r>
           </a:p>
         </p:txBody>
@@ -10542,7 +10663,7 @@
           <p:nvPr/>
         </p:nvPicPr>
         <p:blipFill>
-          <a:blip r:embed="rId2">
+          <a:blip r:embed="rId3">
             <a:extLst>
               <a:ext uri="{28A0092B-C50C-407E-A947-70E740481C1C}">
                 <a14:useLocalDpi xmlns:a14="http://schemas.microsoft.com/office/drawing/2010/main" val="0"/>
@@ -10578,7 +10699,7 @@
           <p:nvPr/>
         </p:nvPicPr>
         <p:blipFill>
-          <a:blip r:embed="rId3"/>
+          <a:blip r:embed="rId4"/>
           <a:stretch>
             <a:fillRect/>
           </a:stretch>
@@ -13782,7 +13903,7 @@
           <a:p>
             <a:r>
               <a:rPr lang="en-US" dirty="0"/>
-              <a:t>One-sentence summary of the project</a:t>
+              <a:t>Sentence summary of the project</a:t>
             </a:r>
           </a:p>
           <a:p>

--- a/docs/AI Workshop.pptx
+++ b/docs/AI Workshop.pptx
@@ -6,10 +6,10 @@
     <p:sldMasterId id="2147483999" r:id="rId2"/>
   </p:sldMasterIdLst>
   <p:notesMasterIdLst>
-    <p:notesMasterId r:id="rId20"/>
+    <p:notesMasterId r:id="rId22"/>
   </p:notesMasterIdLst>
   <p:handoutMasterIdLst>
-    <p:handoutMasterId r:id="rId21"/>
+    <p:handoutMasterId r:id="rId23"/>
   </p:handoutMasterIdLst>
   <p:sldIdLst>
     <p:sldId id="375" r:id="rId3"/>
@@ -17,18 +17,20 @@
     <p:sldId id="390" r:id="rId5"/>
     <p:sldId id="391" r:id="rId6"/>
     <p:sldId id="392" r:id="rId7"/>
-    <p:sldId id="393" r:id="rId8"/>
-    <p:sldId id="394" r:id="rId9"/>
-    <p:sldId id="395" r:id="rId10"/>
-    <p:sldId id="396" r:id="rId11"/>
-    <p:sldId id="397" r:id="rId12"/>
-    <p:sldId id="398" r:id="rId13"/>
-    <p:sldId id="399" r:id="rId14"/>
-    <p:sldId id="400" r:id="rId15"/>
-    <p:sldId id="401" r:id="rId16"/>
-    <p:sldId id="402" r:id="rId17"/>
-    <p:sldId id="389" r:id="rId18"/>
-    <p:sldId id="403" r:id="rId19"/>
+    <p:sldId id="404" r:id="rId8"/>
+    <p:sldId id="405" r:id="rId9"/>
+    <p:sldId id="393" r:id="rId10"/>
+    <p:sldId id="394" r:id="rId11"/>
+    <p:sldId id="395" r:id="rId12"/>
+    <p:sldId id="396" r:id="rId13"/>
+    <p:sldId id="397" r:id="rId14"/>
+    <p:sldId id="398" r:id="rId15"/>
+    <p:sldId id="399" r:id="rId16"/>
+    <p:sldId id="400" r:id="rId17"/>
+    <p:sldId id="401" r:id="rId18"/>
+    <p:sldId id="402" r:id="rId19"/>
+    <p:sldId id="389" r:id="rId20"/>
+    <p:sldId id="403" r:id="rId21"/>
   </p:sldIdLst>
   <p:sldSz cx="9144000" cy="6858000" type="screen4x3"/>
   <p:notesSz cx="6858000" cy="9144000"/>
@@ -4169,7 +4171,7 @@
               <a:pPr>
                 <a:defRPr/>
               </a:pPr>
-              <a:t>10</a:t>
+              <a:t>12</a:t>
             </a:fld>
             <a:endParaRPr lang="en-US" altLang="en-US" dirty="0"/>
           </a:p>
@@ -4343,7 +4345,7 @@
               <a:pPr>
                 <a:defRPr/>
               </a:pPr>
-              <a:t>11</a:t>
+              <a:t>13</a:t>
             </a:fld>
             <a:endParaRPr lang="en-US" altLang="en-US" dirty="0"/>
           </a:p>
@@ -4452,7 +4454,7 @@
               <a:pPr>
                 <a:defRPr/>
               </a:pPr>
-              <a:t>12</a:t>
+              <a:t>14</a:t>
             </a:fld>
             <a:endParaRPr lang="en-US" altLang="en-US" dirty="0"/>
           </a:p>
@@ -4545,7 +4547,7 @@
               <a:pPr>
                 <a:defRPr/>
               </a:pPr>
-              <a:t>13</a:t>
+              <a:t>15</a:t>
             </a:fld>
             <a:endParaRPr lang="en-US" altLang="en-US" dirty="0"/>
           </a:p>
@@ -4738,7 +4740,7 @@
               <a:pPr>
                 <a:defRPr/>
               </a:pPr>
-              <a:t>15</a:t>
+              <a:t>17</a:t>
             </a:fld>
             <a:endParaRPr lang="en-US" altLang="en-US" dirty="0"/>
           </a:p>
@@ -5021,7 +5023,7 @@
               <a:pPr>
                 <a:defRPr/>
               </a:pPr>
-              <a:t>16</a:t>
+              <a:t>18</a:t>
             </a:fld>
             <a:endParaRPr lang="en-US" altLang="en-US" dirty="0"/>
           </a:p>
@@ -5993,7 +5995,7 @@
               <a:pPr>
                 <a:defRPr/>
               </a:pPr>
-              <a:t>6</a:t>
+              <a:t>8</a:t>
             </a:fld>
             <a:endParaRPr lang="en-US" altLang="en-US" dirty="0"/>
           </a:p>
@@ -6170,7 +6172,7 @@
               <a:pPr>
                 <a:defRPr/>
               </a:pPr>
-              <a:t>7</a:t>
+              <a:t>9</a:t>
             </a:fld>
             <a:endParaRPr lang="en-US" altLang="en-US" dirty="0"/>
           </a:p>
@@ -6419,7 +6421,7 @@
               <a:pPr>
                 <a:defRPr/>
               </a:pPr>
-              <a:t>8</a:t>
+              <a:t>10</a:t>
             </a:fld>
             <a:endParaRPr lang="en-US" altLang="en-US" dirty="0"/>
           </a:p>
@@ -6532,7 +6534,7 @@
               <a:pPr>
                 <a:defRPr/>
               </a:pPr>
-              <a:t>9</a:t>
+              <a:t>11</a:t>
             </a:fld>
             <a:endParaRPr lang="en-US" altLang="en-US" dirty="0"/>
           </a:p>
@@ -9334,6 +9336,1289 @@
           <p:cNvPr id="2" name="Title 1">
             <a:extLst>
               <a:ext uri="{FF2B5EF4-FFF2-40B4-BE49-F238E27FC236}">
+                <a16:creationId xmlns:a16="http://schemas.microsoft.com/office/drawing/2014/main" id="{BED875E8-4F08-44CF-B373-8CC742DEBB94}"/>
+              </a:ext>
+            </a:extLst>
+          </p:cNvPr>
+          <p:cNvSpPr>
+            <a:spLocks noGrp="1"/>
+          </p:cNvSpPr>
+          <p:nvPr>
+            <p:ph type="title"/>
+          </p:nvPr>
+        </p:nvSpPr>
+        <p:spPr/>
+        <p:txBody>
+          <a:bodyPr/>
+          <a:lstStyle/>
+          <a:p>
+            <a:r>
+              <a:rPr lang="en-US" dirty="0"/>
+              <a:t>Step 2:  Gameplay Mechanics</a:t>
+            </a:r>
+          </a:p>
+        </p:txBody>
+      </p:sp>
+      <p:sp>
+        <p:nvSpPr>
+          <p:cNvPr id="3" name="Content Placeholder 2">
+            <a:extLst>
+              <a:ext uri="{FF2B5EF4-FFF2-40B4-BE49-F238E27FC236}">
+                <a16:creationId xmlns:a16="http://schemas.microsoft.com/office/drawing/2014/main" id="{CA9BC69E-5571-25C4-95FE-1DC2E2A3D838}"/>
+              </a:ext>
+            </a:extLst>
+          </p:cNvPr>
+          <p:cNvSpPr>
+            <a:spLocks noGrp="1"/>
+          </p:cNvSpPr>
+          <p:nvPr>
+            <p:ph idx="1"/>
+          </p:nvPr>
+        </p:nvSpPr>
+        <p:spPr/>
+        <p:txBody>
+          <a:bodyPr/>
+          <a:lstStyle/>
+          <a:p>
+            <a:r>
+              <a:rPr lang="en-US" sz="1800" b="1" dirty="0"/>
+              <a:t>Game Board</a:t>
+            </a:r>
+            <a:r>
+              <a:rPr lang="en-US" sz="1800" dirty="0"/>
+              <a:t>: The play area. (e.g., 800x600 window, 20x20 grid)</a:t>
+            </a:r>
+          </a:p>
+          <a:p>
+            <a:r>
+              <a:rPr lang="en-US" sz="1800" b="1" dirty="0"/>
+              <a:t>The Player (Snake)</a:t>
+            </a:r>
+            <a:r>
+              <a:rPr lang="en-US" sz="1800" dirty="0"/>
+              <a:t>: How does the player move and interact? (e.g., Starts in center, controlled by WASD, can't reverse).</a:t>
+            </a:r>
+          </a:p>
+          <a:p>
+            <a:r>
+              <a:rPr lang="en-US" sz="1800" b="1" dirty="0"/>
+              <a:t>The Goal (Food)</a:t>
+            </a:r>
+            <a:r>
+              <a:rPr lang="en-US" sz="1800" dirty="0"/>
+              <a:t>: What does the player try to achieve? (e.g., Randomly appearing food, snake grows when it eats).</a:t>
+            </a:r>
+          </a:p>
+          <a:p>
+            <a:r>
+              <a:rPr lang="en-US" sz="1800" b="1" dirty="0"/>
+              <a:t>Rules (Scoring &amp; Game Over)</a:t>
+            </a:r>
+            <a:r>
+              <a:rPr lang="en-US" sz="1800" dirty="0"/>
+              <a:t>: How do you win or lose? (e.g., +10 points per food, game ends on collision).</a:t>
+            </a:r>
+          </a:p>
+          <a:p>
+            <a:r>
+              <a:rPr lang="en-US" sz="1800" b="1" dirty="0"/>
+              <a:t>Game Flow</a:t>
+            </a:r>
+            <a:r>
+              <a:rPr lang="en-US" sz="1800" dirty="0"/>
+              <a:t>: How does the game state change? (e.g., Restart with 'R' key).</a:t>
+            </a:r>
+          </a:p>
+        </p:txBody>
+      </p:sp>
+      <p:sp>
+        <p:nvSpPr>
+          <p:cNvPr id="4" name="Slide Number Placeholder 3">
+            <a:extLst>
+              <a:ext uri="{FF2B5EF4-FFF2-40B4-BE49-F238E27FC236}">
+                <a16:creationId xmlns:a16="http://schemas.microsoft.com/office/drawing/2014/main" id="{E9B79F01-36EB-A063-BED6-080E699E5505}"/>
+              </a:ext>
+            </a:extLst>
+          </p:cNvPr>
+          <p:cNvSpPr>
+            <a:spLocks noGrp="1"/>
+          </p:cNvSpPr>
+          <p:nvPr>
+            <p:ph type="sldNum" sz="quarter" idx="4"/>
+          </p:nvPr>
+        </p:nvSpPr>
+        <p:spPr/>
+        <p:txBody>
+          <a:bodyPr/>
+          <a:lstStyle/>
+          <a:p>
+            <a:pPr>
+              <a:defRPr/>
+            </a:pPr>
+            <a:fld id="{C3099B72-DEA2-4ACC-9A6B-2F17D54AC7BB}" type="slidenum">
+              <a:rPr lang="en-US" altLang="en-US" smtClean="0"/>
+              <a:pPr>
+                <a:defRPr/>
+              </a:pPr>
+              <a:t>10</a:t>
+            </a:fld>
+            <a:endParaRPr lang="en-US" altLang="en-US" dirty="0"/>
+          </a:p>
+        </p:txBody>
+      </p:sp>
+      <p:sp>
+        <p:nvSpPr>
+          <p:cNvPr id="10" name="TextBox 9">
+            <a:extLst>
+              <a:ext uri="{FF2B5EF4-FFF2-40B4-BE49-F238E27FC236}">
+                <a16:creationId xmlns:a16="http://schemas.microsoft.com/office/drawing/2014/main" id="{F478A3FD-6B2B-94AB-8B1C-3CFCD9291494}"/>
+              </a:ext>
+            </a:extLst>
+          </p:cNvPr>
+          <p:cNvSpPr txBox="1"/>
+          <p:nvPr/>
+        </p:nvSpPr>
+        <p:spPr>
+          <a:xfrm>
+            <a:off x="1143000" y="3624502"/>
+            <a:ext cx="7467600" cy="2700098"/>
+          </a:xfrm>
+          <a:prstGeom prst="rect">
+            <a:avLst/>
+          </a:prstGeom>
+          <a:noFill/>
+          <a:ln>
+            <a:solidFill>
+              <a:schemeClr val="accent1"/>
+            </a:solidFill>
+          </a:ln>
+        </p:spPr>
+        <p:txBody>
+          <a:bodyPr wrap="square">
+            <a:spAutoFit/>
+          </a:bodyPr>
+          <a:lstStyle/>
+          <a:p>
+            <a:pPr>
+              <a:lnSpc>
+                <a:spcPts val="1650"/>
+              </a:lnSpc>
+            </a:pPr>
+            <a:r>
+              <a:rPr lang="en-US" sz="1400" b="1" dirty="0">
+                <a:solidFill>
+                  <a:srgbClr val="800000"/>
+                </a:solidFill>
+                <a:effectLst/>
+                <a:latin typeface="Consolas" panose="020B0609020204030204" pitchFamily="49" charset="0"/>
+              </a:rPr>
+              <a:t>## 2. Core Gameplay Mechanics</a:t>
+            </a:r>
+            <a:endParaRPr lang="en-US" sz="1400" b="0" dirty="0">
+              <a:solidFill>
+                <a:srgbClr val="000000"/>
+              </a:solidFill>
+              <a:effectLst/>
+              <a:latin typeface="Consolas" panose="020B0609020204030204" pitchFamily="49" charset="0"/>
+            </a:endParaRPr>
+          </a:p>
+          <a:p>
+            <a:pPr>
+              <a:lnSpc>
+                <a:spcPts val="1650"/>
+              </a:lnSpc>
+            </a:pPr>
+            <a:r>
+              <a:rPr lang="en-US" sz="1400" b="0" dirty="0">
+                <a:solidFill>
+                  <a:srgbClr val="000000"/>
+                </a:solidFill>
+                <a:effectLst/>
+                <a:latin typeface="Consolas" panose="020B0609020204030204" pitchFamily="49" charset="0"/>
+              </a:rPr>
+              <a:t> </a:t>
+            </a:r>
+            <a:r>
+              <a:rPr lang="en-US" sz="1400" b="1" dirty="0">
+                <a:solidFill>
+                  <a:srgbClr val="000080"/>
+                </a:solidFill>
+                <a:effectLst/>
+                <a:latin typeface="Consolas" panose="020B0609020204030204" pitchFamily="49" charset="0"/>
+              </a:rPr>
+              <a:t>**Game Board:**</a:t>
+            </a:r>
+            <a:endParaRPr lang="en-US" sz="1400" b="0" dirty="0">
+              <a:solidFill>
+                <a:srgbClr val="000000"/>
+              </a:solidFill>
+              <a:effectLst/>
+              <a:latin typeface="Consolas" panose="020B0609020204030204" pitchFamily="49" charset="0"/>
+            </a:endParaRPr>
+          </a:p>
+          <a:p>
+            <a:pPr>
+              <a:lnSpc>
+                <a:spcPts val="1650"/>
+              </a:lnSpc>
+            </a:pPr>
+            <a:r>
+              <a:rPr lang="en-US" sz="1400" b="0" dirty="0">
+                <a:solidFill>
+                  <a:srgbClr val="000000"/>
+                </a:solidFill>
+                <a:effectLst/>
+                <a:latin typeface="Consolas" panose="020B0609020204030204" pitchFamily="49" charset="0"/>
+              </a:rPr>
+              <a:t>    </a:t>
+            </a:r>
+            <a:r>
+              <a:rPr lang="en-US" sz="1400" b="0" dirty="0">
+                <a:solidFill>
+                  <a:srgbClr val="0451A5"/>
+                </a:solidFill>
+                <a:effectLst/>
+                <a:latin typeface="Consolas" panose="020B0609020204030204" pitchFamily="49" charset="0"/>
+              </a:rPr>
+              <a:t>*</a:t>
+            </a:r>
+            <a:r>
+              <a:rPr lang="en-US" sz="1400" b="0" dirty="0">
+                <a:solidFill>
+                  <a:srgbClr val="000000"/>
+                </a:solidFill>
+                <a:effectLst/>
+                <a:latin typeface="Consolas" panose="020B0609020204030204" pitchFamily="49" charset="0"/>
+              </a:rPr>
+              <a:t>   The game should be played on a grid-based window.</a:t>
+            </a:r>
+          </a:p>
+          <a:p>
+            <a:pPr>
+              <a:lnSpc>
+                <a:spcPts val="1650"/>
+              </a:lnSpc>
+            </a:pPr>
+            <a:r>
+              <a:rPr lang="en-US" sz="1400" b="0" dirty="0">
+                <a:solidFill>
+                  <a:srgbClr val="000000"/>
+                </a:solidFill>
+                <a:effectLst/>
+                <a:latin typeface="Consolas" panose="020B0609020204030204" pitchFamily="49" charset="0"/>
+              </a:rPr>
+              <a:t>    </a:t>
+            </a:r>
+            <a:r>
+              <a:rPr lang="en-US" sz="1400" b="0" dirty="0">
+                <a:solidFill>
+                  <a:srgbClr val="0451A5"/>
+                </a:solidFill>
+                <a:effectLst/>
+                <a:latin typeface="Consolas" panose="020B0609020204030204" pitchFamily="49" charset="0"/>
+              </a:rPr>
+              <a:t>*</a:t>
+            </a:r>
+            <a:r>
+              <a:rPr lang="en-US" sz="1400" b="0" dirty="0">
+                <a:solidFill>
+                  <a:srgbClr val="000000"/>
+                </a:solidFill>
+                <a:effectLst/>
+                <a:latin typeface="Consolas" panose="020B0609020204030204" pitchFamily="49" charset="0"/>
+              </a:rPr>
+              <a:t>   Window dimensions: 800x600 pixels.</a:t>
+            </a:r>
+          </a:p>
+          <a:p>
+            <a:pPr>
+              <a:lnSpc>
+                <a:spcPts val="1650"/>
+              </a:lnSpc>
+            </a:pPr>
+            <a:r>
+              <a:rPr lang="en-US" sz="1400" b="0" dirty="0">
+                <a:solidFill>
+                  <a:srgbClr val="000000"/>
+                </a:solidFill>
+                <a:effectLst/>
+                <a:latin typeface="Consolas" panose="020B0609020204030204" pitchFamily="49" charset="0"/>
+              </a:rPr>
+              <a:t>    </a:t>
+            </a:r>
+            <a:r>
+              <a:rPr lang="en-US" sz="1400" b="0" dirty="0">
+                <a:solidFill>
+                  <a:srgbClr val="0451A5"/>
+                </a:solidFill>
+                <a:effectLst/>
+                <a:latin typeface="Consolas" panose="020B0609020204030204" pitchFamily="49" charset="0"/>
+              </a:rPr>
+              <a:t>*</a:t>
+            </a:r>
+            <a:r>
+              <a:rPr lang="en-US" sz="1400" b="0" dirty="0">
+                <a:solidFill>
+                  <a:srgbClr val="000000"/>
+                </a:solidFill>
+                <a:effectLst/>
+                <a:latin typeface="Consolas" panose="020B0609020204030204" pitchFamily="49" charset="0"/>
+              </a:rPr>
+              <a:t>   Grid size: 20x20 pixels.</a:t>
+            </a:r>
+          </a:p>
+          <a:p>
+            <a:pPr>
+              <a:lnSpc>
+                <a:spcPts val="1650"/>
+              </a:lnSpc>
+            </a:pPr>
+            <a:r>
+              <a:rPr lang="en-US" sz="1400" b="0" dirty="0">
+                <a:solidFill>
+                  <a:srgbClr val="000000"/>
+                </a:solidFill>
+                <a:effectLst/>
+                <a:latin typeface="Consolas" panose="020B0609020204030204" pitchFamily="49" charset="0"/>
+              </a:rPr>
+              <a:t> </a:t>
+            </a:r>
+            <a:r>
+              <a:rPr lang="en-US" sz="1400" b="1" dirty="0">
+                <a:solidFill>
+                  <a:srgbClr val="000080"/>
+                </a:solidFill>
+                <a:effectLst/>
+                <a:latin typeface="Consolas" panose="020B0609020204030204" pitchFamily="49" charset="0"/>
+              </a:rPr>
+              <a:t>**Snake:**</a:t>
+            </a:r>
+            <a:endParaRPr lang="en-US" sz="1400" b="0" dirty="0">
+              <a:solidFill>
+                <a:srgbClr val="000000"/>
+              </a:solidFill>
+              <a:effectLst/>
+              <a:latin typeface="Consolas" panose="020B0609020204030204" pitchFamily="49" charset="0"/>
+            </a:endParaRPr>
+          </a:p>
+          <a:p>
+            <a:pPr>
+              <a:lnSpc>
+                <a:spcPts val="1650"/>
+              </a:lnSpc>
+            </a:pPr>
+            <a:r>
+              <a:rPr lang="en-US" sz="1400" b="0" dirty="0">
+                <a:solidFill>
+                  <a:srgbClr val="000000"/>
+                </a:solidFill>
+                <a:effectLst/>
+                <a:latin typeface="Consolas" panose="020B0609020204030204" pitchFamily="49" charset="0"/>
+              </a:rPr>
+              <a:t>    </a:t>
+            </a:r>
+            <a:r>
+              <a:rPr lang="en-US" sz="1400" b="0" dirty="0">
+                <a:solidFill>
+                  <a:srgbClr val="0451A5"/>
+                </a:solidFill>
+                <a:effectLst/>
+                <a:latin typeface="Consolas" panose="020B0609020204030204" pitchFamily="49" charset="0"/>
+              </a:rPr>
+              <a:t>*</a:t>
+            </a:r>
+            <a:r>
+              <a:rPr lang="en-US" sz="1400" b="0" dirty="0">
+                <a:solidFill>
+                  <a:srgbClr val="000000"/>
+                </a:solidFill>
+                <a:effectLst/>
+                <a:latin typeface="Consolas" panose="020B0609020204030204" pitchFamily="49" charset="0"/>
+              </a:rPr>
+              <a:t>   The snake starts in the center of the screen, moving horizontally.</a:t>
+            </a:r>
+          </a:p>
+          <a:p>
+            <a:pPr>
+              <a:lnSpc>
+                <a:spcPts val="1650"/>
+              </a:lnSpc>
+            </a:pPr>
+            <a:r>
+              <a:rPr lang="en-US" sz="1400" b="0" dirty="0">
+                <a:solidFill>
+                  <a:srgbClr val="000000"/>
+                </a:solidFill>
+                <a:effectLst/>
+                <a:latin typeface="Consolas" panose="020B0609020204030204" pitchFamily="49" charset="0"/>
+              </a:rPr>
+              <a:t>    </a:t>
+            </a:r>
+            <a:r>
+              <a:rPr lang="en-US" sz="1400" b="0" dirty="0">
+                <a:solidFill>
+                  <a:srgbClr val="0451A5"/>
+                </a:solidFill>
+                <a:effectLst/>
+                <a:latin typeface="Consolas" panose="020B0609020204030204" pitchFamily="49" charset="0"/>
+              </a:rPr>
+              <a:t>*</a:t>
+            </a:r>
+            <a:r>
+              <a:rPr lang="en-US" sz="1400" b="0" dirty="0">
+                <a:solidFill>
+                  <a:srgbClr val="000000"/>
+                </a:solidFill>
+                <a:effectLst/>
+                <a:latin typeface="Consolas" panose="020B0609020204030204" pitchFamily="49" charset="0"/>
+              </a:rPr>
+              <a:t>   The snake is composed of square segments, fitting the grid.</a:t>
+            </a:r>
+          </a:p>
+          <a:p>
+            <a:pPr>
+              <a:lnSpc>
+                <a:spcPts val="1650"/>
+              </a:lnSpc>
+            </a:pPr>
+            <a:r>
+              <a:rPr lang="en-US" sz="1400" b="0" dirty="0">
+                <a:solidFill>
+                  <a:srgbClr val="000000"/>
+                </a:solidFill>
+                <a:effectLst/>
+                <a:latin typeface="Consolas" panose="020B0609020204030204" pitchFamily="49" charset="0"/>
+              </a:rPr>
+              <a:t>    </a:t>
+            </a:r>
+            <a:r>
+              <a:rPr lang="en-US" sz="1400" b="0" dirty="0">
+                <a:solidFill>
+                  <a:srgbClr val="0451A5"/>
+                </a:solidFill>
+                <a:effectLst/>
+                <a:latin typeface="Consolas" panose="020B0609020204030204" pitchFamily="49" charset="0"/>
+              </a:rPr>
+              <a:t>*</a:t>
+            </a:r>
+            <a:r>
+              <a:rPr lang="en-US" sz="1400" b="0" dirty="0">
+                <a:solidFill>
+                  <a:srgbClr val="000000"/>
+                </a:solidFill>
+                <a:effectLst/>
+                <a:latin typeface="Consolas" panose="020B0609020204030204" pitchFamily="49" charset="0"/>
+              </a:rPr>
+              <a:t>   The snake's head should be a distinct color from its body.</a:t>
+            </a:r>
+          </a:p>
+          <a:p>
+            <a:pPr>
+              <a:lnSpc>
+                <a:spcPts val="1650"/>
+              </a:lnSpc>
+            </a:pPr>
+            <a:r>
+              <a:rPr lang="en-US" sz="1400" b="0" dirty="0">
+                <a:solidFill>
+                  <a:srgbClr val="000000"/>
+                </a:solidFill>
+                <a:effectLst/>
+                <a:latin typeface="Consolas" panose="020B0609020204030204" pitchFamily="49" charset="0"/>
+              </a:rPr>
+              <a:t>    </a:t>
+            </a:r>
+            <a:r>
+              <a:rPr lang="en-US" sz="1400" b="0" dirty="0">
+                <a:solidFill>
+                  <a:srgbClr val="0451A5"/>
+                </a:solidFill>
+                <a:effectLst/>
+                <a:latin typeface="Consolas" panose="020B0609020204030204" pitchFamily="49" charset="0"/>
+              </a:rPr>
+              <a:t>*</a:t>
+            </a:r>
+            <a:r>
+              <a:rPr lang="en-US" sz="1400" b="0" dirty="0">
+                <a:solidFill>
+                  <a:srgbClr val="000000"/>
+                </a:solidFill>
+                <a:effectLst/>
+                <a:latin typeface="Consolas" panose="020B0609020204030204" pitchFamily="49" charset="0"/>
+              </a:rPr>
+              <a:t>   The snake continuously moves in its current direction.</a:t>
+            </a:r>
+          </a:p>
+          <a:p>
+            <a:pPr>
+              <a:lnSpc>
+                <a:spcPts val="1650"/>
+              </a:lnSpc>
+            </a:pPr>
+            <a:r>
+              <a:rPr lang="en-US" sz="1400" b="0" dirty="0">
+                <a:solidFill>
+                  <a:srgbClr val="000000"/>
+                </a:solidFill>
+                <a:effectLst/>
+                <a:latin typeface="Consolas" panose="020B0609020204030204" pitchFamily="49" charset="0"/>
+              </a:rPr>
+              <a:t>    </a:t>
+            </a:r>
+            <a:r>
+              <a:rPr lang="en-US" sz="1400" b="0" dirty="0">
+                <a:solidFill>
+                  <a:srgbClr val="0451A5"/>
+                </a:solidFill>
+                <a:effectLst/>
+                <a:latin typeface="Consolas" panose="020B0609020204030204" pitchFamily="49" charset="0"/>
+              </a:rPr>
+              <a:t>*</a:t>
+            </a:r>
+            <a:r>
+              <a:rPr lang="en-US" sz="1400" b="0" dirty="0">
+                <a:solidFill>
+                  <a:srgbClr val="000000"/>
+                </a:solidFill>
+                <a:effectLst/>
+                <a:latin typeface="Consolas" panose="020B0609020204030204" pitchFamily="49" charset="0"/>
+              </a:rPr>
+              <a:t>   The player can change the snake's direction using WASD keys.</a:t>
+            </a:r>
+          </a:p>
+          <a:p>
+            <a:pPr>
+              <a:lnSpc>
+                <a:spcPts val="1650"/>
+              </a:lnSpc>
+            </a:pPr>
+            <a:r>
+              <a:rPr lang="en-US" sz="1400" dirty="0">
+                <a:solidFill>
+                  <a:srgbClr val="000000"/>
+                </a:solidFill>
+                <a:latin typeface="Consolas" panose="020B0609020204030204" pitchFamily="49" charset="0"/>
+              </a:rPr>
+              <a:t>…</a:t>
+            </a:r>
+            <a:endParaRPr lang="en-US" sz="1400" b="0" dirty="0">
+              <a:solidFill>
+                <a:srgbClr val="000000"/>
+              </a:solidFill>
+              <a:effectLst/>
+              <a:latin typeface="Consolas" panose="020B0609020204030204" pitchFamily="49" charset="0"/>
+            </a:endParaRPr>
+          </a:p>
+        </p:txBody>
+      </p:sp>
+    </p:spTree>
+    <p:extLst>
+      <p:ext uri="{BB962C8B-B14F-4D97-AF65-F5344CB8AC3E}">
+        <p14:creationId xmlns:p14="http://schemas.microsoft.com/office/powerpoint/2010/main" val="3593668273"/>
+      </p:ext>
+    </p:extLst>
+  </p:cSld>
+  <p:clrMapOvr>
+    <a:masterClrMapping/>
+  </p:clrMapOvr>
+  <p:timing>
+    <p:tnLst>
+      <p:par>
+        <p:cTn id="1" dur="indefinite" restart="never" nodeType="tmRoot">
+          <p:childTnLst>
+            <p:seq concurrent="1" nextAc="seek">
+              <p:cTn id="2" dur="indefinite" nodeType="mainSeq">
+                <p:childTnLst>
+                  <p:par>
+                    <p:cTn id="3" fill="hold">
+                      <p:stCondLst>
+                        <p:cond delay="indefinite"/>
+                      </p:stCondLst>
+                      <p:childTnLst>
+                        <p:par>
+                          <p:cTn id="4" fill="hold">
+                            <p:stCondLst>
+                              <p:cond delay="0"/>
+                            </p:stCondLst>
+                            <p:childTnLst>
+                              <p:par>
+                                <p:cTn id="5" presetID="1" presetClass="entr" presetSubtype="0" fill="hold" grpId="0" nodeType="clickEffect">
+                                  <p:stCondLst>
+                                    <p:cond delay="0"/>
+                                  </p:stCondLst>
+                                  <p:childTnLst>
+                                    <p:set>
+                                      <p:cBhvr>
+                                        <p:cTn id="6" dur="1" fill="hold">
+                                          <p:stCondLst>
+                                            <p:cond delay="0"/>
+                                          </p:stCondLst>
+                                        </p:cTn>
+                                        <p:tgtEl>
+                                          <p:spTgt spid="10"/>
+                                        </p:tgtEl>
+                                        <p:attrNameLst>
+                                          <p:attrName>style.visibility</p:attrName>
+                                        </p:attrNameLst>
+                                      </p:cBhvr>
+                                      <p:to>
+                                        <p:strVal val="visible"/>
+                                      </p:to>
+                                    </p:set>
+                                  </p:childTnLst>
+                                </p:cTn>
+                              </p:par>
+                            </p:childTnLst>
+                          </p:cTn>
+                        </p:par>
+                      </p:childTnLst>
+                    </p:cTn>
+                  </p:par>
+                </p:childTnLst>
+              </p:cTn>
+              <p:prevCondLst>
+                <p:cond evt="onPrev" delay="0">
+                  <p:tgtEl>
+                    <p:sldTgt/>
+                  </p:tgtEl>
+                </p:cond>
+              </p:prevCondLst>
+              <p:nextCondLst>
+                <p:cond evt="onNext" delay="0">
+                  <p:tgtEl>
+                    <p:sldTgt/>
+                  </p:tgtEl>
+                </p:cond>
+              </p:nextCondLst>
+            </p:seq>
+          </p:childTnLst>
+        </p:cTn>
+      </p:par>
+    </p:tnLst>
+    <p:bldLst>
+      <p:bldP spid="10" grpId="0" animBg="1"/>
+    </p:bldLst>
+  </p:timing>
+</p:sld>
+</file>
+
+<file path=ppt/slides/slide11.xml><?xml version="1.0" encoding="utf-8"?>
+<p:sld xmlns:a="http://schemas.openxmlformats.org/drawingml/2006/main" xmlns:r="http://schemas.openxmlformats.org/officeDocument/2006/relationships" xmlns:p="http://schemas.openxmlformats.org/presentationml/2006/main">
+  <p:cSld>
+    <p:spTree>
+      <p:nvGrpSpPr>
+        <p:cNvPr id="1" name=""/>
+        <p:cNvGrpSpPr/>
+        <p:nvPr/>
+      </p:nvGrpSpPr>
+      <p:grpSpPr>
+        <a:xfrm>
+          <a:off x="0" y="0"/>
+          <a:ext cx="0" cy="0"/>
+          <a:chOff x="0" y="0"/>
+          <a:chExt cx="0" cy="0"/>
+        </a:xfrm>
+      </p:grpSpPr>
+      <p:sp>
+        <p:nvSpPr>
+          <p:cNvPr id="2" name="Title 1">
+            <a:extLst>
+              <a:ext uri="{FF2B5EF4-FFF2-40B4-BE49-F238E27FC236}">
+                <a16:creationId xmlns:a16="http://schemas.microsoft.com/office/drawing/2014/main" id="{180B227D-F236-7E70-F25C-54CF7D0C5170}"/>
+              </a:ext>
+            </a:extLst>
+          </p:cNvPr>
+          <p:cNvSpPr>
+            <a:spLocks noGrp="1"/>
+          </p:cNvSpPr>
+          <p:nvPr>
+            <p:ph type="title"/>
+          </p:nvPr>
+        </p:nvSpPr>
+        <p:spPr/>
+        <p:txBody>
+          <a:bodyPr/>
+          <a:lstStyle/>
+          <a:p>
+            <a:r>
+              <a:rPr lang="en-US" dirty="0"/>
+              <a:t>Step 3: GUI Design</a:t>
+            </a:r>
+          </a:p>
+        </p:txBody>
+      </p:sp>
+      <p:sp>
+        <p:nvSpPr>
+          <p:cNvPr id="3" name="Content Placeholder 2">
+            <a:extLst>
+              <a:ext uri="{FF2B5EF4-FFF2-40B4-BE49-F238E27FC236}">
+                <a16:creationId xmlns:a16="http://schemas.microsoft.com/office/drawing/2014/main" id="{9C4010FD-19A0-14D8-89FC-49BA7E3FAAA0}"/>
+              </a:ext>
+            </a:extLst>
+          </p:cNvPr>
+          <p:cNvSpPr>
+            <a:spLocks noGrp="1"/>
+          </p:cNvSpPr>
+          <p:nvPr>
+            <p:ph idx="1"/>
+          </p:nvPr>
+        </p:nvSpPr>
+        <p:spPr>
+          <a:xfrm>
+            <a:off x="0" y="1143004"/>
+            <a:ext cx="6172200" cy="4525963"/>
+          </a:xfrm>
+        </p:spPr>
+        <p:txBody>
+          <a:bodyPr/>
+          <a:lstStyle/>
+          <a:p>
+            <a:r>
+              <a:rPr lang="en-US" b="1" dirty="0"/>
+              <a:t>User Interface (UI)</a:t>
+            </a:r>
+            <a:r>
+              <a:rPr lang="en-US" dirty="0"/>
+              <a:t>: What information does the player need? (e.g., Display the score in the top-left corner).</a:t>
+            </a:r>
+          </a:p>
+          <a:p>
+            <a:r>
+              <a:rPr lang="en-US" b="1" dirty="0"/>
+              <a:t>Graphics &amp; Art Style</a:t>
+            </a:r>
+            <a:r>
+              <a:rPr lang="en-US" dirty="0"/>
+              <a:t>: Define the aesthetic. Simple and clean is a great starting point. (e.g., Green snake, red food, black background).</a:t>
+            </a:r>
+          </a:p>
+          <a:p>
+            <a:r>
+              <a:rPr lang="en-US" b="1" dirty="0"/>
+              <a:t>Sound</a:t>
+            </a:r>
+            <a:r>
+              <a:rPr lang="en-US" dirty="0"/>
+              <a:t>: Don't forget audio! For our example, we'll keep it simple. (e.g., No sound effects).</a:t>
+            </a:r>
+          </a:p>
+        </p:txBody>
+      </p:sp>
+      <p:sp>
+        <p:nvSpPr>
+          <p:cNvPr id="4" name="Slide Number Placeholder 3">
+            <a:extLst>
+              <a:ext uri="{FF2B5EF4-FFF2-40B4-BE49-F238E27FC236}">
+                <a16:creationId xmlns:a16="http://schemas.microsoft.com/office/drawing/2014/main" id="{1B17E4A0-F4EB-DC92-3F29-1DEC172C6E46}"/>
+              </a:ext>
+            </a:extLst>
+          </p:cNvPr>
+          <p:cNvSpPr>
+            <a:spLocks noGrp="1"/>
+          </p:cNvSpPr>
+          <p:nvPr>
+            <p:ph type="sldNum" sz="quarter" idx="4"/>
+          </p:nvPr>
+        </p:nvSpPr>
+        <p:spPr/>
+        <p:txBody>
+          <a:bodyPr/>
+          <a:lstStyle/>
+          <a:p>
+            <a:pPr>
+              <a:defRPr/>
+            </a:pPr>
+            <a:fld id="{C3099B72-DEA2-4ACC-9A6B-2F17D54AC7BB}" type="slidenum">
+              <a:rPr lang="en-US" altLang="en-US" smtClean="0"/>
+              <a:pPr>
+                <a:defRPr/>
+              </a:pPr>
+              <a:t>11</a:t>
+            </a:fld>
+            <a:endParaRPr lang="en-US" altLang="en-US" dirty="0"/>
+          </a:p>
+        </p:txBody>
+      </p:sp>
+      <p:sp>
+        <p:nvSpPr>
+          <p:cNvPr id="6" name="TextBox 5">
+            <a:extLst>
+              <a:ext uri="{FF2B5EF4-FFF2-40B4-BE49-F238E27FC236}">
+                <a16:creationId xmlns:a16="http://schemas.microsoft.com/office/drawing/2014/main" id="{5EDC093F-AECB-4B56-13D2-1273A101EB2F}"/>
+              </a:ext>
+            </a:extLst>
+          </p:cNvPr>
+          <p:cNvSpPr txBox="1"/>
+          <p:nvPr/>
+        </p:nvSpPr>
+        <p:spPr>
+          <a:xfrm>
+            <a:off x="990600" y="3806001"/>
+            <a:ext cx="8077200" cy="2482090"/>
+          </a:xfrm>
+          <a:prstGeom prst="rect">
+            <a:avLst/>
+          </a:prstGeom>
+          <a:noFill/>
+          <a:ln>
+            <a:solidFill>
+              <a:schemeClr val="accent1"/>
+            </a:solidFill>
+          </a:ln>
+        </p:spPr>
+        <p:txBody>
+          <a:bodyPr wrap="square">
+            <a:spAutoFit/>
+          </a:bodyPr>
+          <a:lstStyle/>
+          <a:p>
+            <a:pPr>
+              <a:lnSpc>
+                <a:spcPts val="1650"/>
+              </a:lnSpc>
+            </a:pPr>
+            <a:r>
+              <a:rPr lang="en-US" sz="1400" b="1" dirty="0">
+                <a:solidFill>
+                  <a:srgbClr val="800000"/>
+                </a:solidFill>
+                <a:effectLst/>
+                <a:latin typeface="Consolas" panose="020B0609020204030204" pitchFamily="49" charset="0"/>
+              </a:rPr>
+              <a:t>## 3. GUI</a:t>
+            </a:r>
+            <a:endParaRPr lang="en-US" sz="1400" b="0" dirty="0">
+              <a:solidFill>
+                <a:srgbClr val="000000"/>
+              </a:solidFill>
+              <a:effectLst/>
+              <a:latin typeface="Consolas" panose="020B0609020204030204" pitchFamily="49" charset="0"/>
+            </a:endParaRPr>
+          </a:p>
+          <a:p>
+            <a:pPr>
+              <a:lnSpc>
+                <a:spcPts val="1650"/>
+              </a:lnSpc>
+            </a:pPr>
+            <a:r>
+              <a:rPr lang="en-US" sz="1400" b="1" dirty="0">
+                <a:solidFill>
+                  <a:srgbClr val="000080"/>
+                </a:solidFill>
+                <a:effectLst/>
+                <a:latin typeface="Consolas" panose="020B0609020204030204" pitchFamily="49" charset="0"/>
+              </a:rPr>
+              <a:t>**Graphics:**</a:t>
+            </a:r>
+            <a:endParaRPr lang="en-US" sz="1400" b="0" dirty="0">
+              <a:solidFill>
+                <a:srgbClr val="000000"/>
+              </a:solidFill>
+              <a:effectLst/>
+              <a:latin typeface="Consolas" panose="020B0609020204030204" pitchFamily="49" charset="0"/>
+            </a:endParaRPr>
+          </a:p>
+          <a:p>
+            <a:pPr>
+              <a:lnSpc>
+                <a:spcPts val="1650"/>
+              </a:lnSpc>
+            </a:pPr>
+            <a:r>
+              <a:rPr lang="en-US" sz="1400" b="0" dirty="0">
+                <a:solidFill>
+                  <a:srgbClr val="000000"/>
+                </a:solidFill>
+                <a:effectLst/>
+                <a:latin typeface="Consolas" panose="020B0609020204030204" pitchFamily="49" charset="0"/>
+              </a:rPr>
+              <a:t>  </a:t>
+            </a:r>
+            <a:r>
+              <a:rPr lang="en-US" sz="1400" b="0" dirty="0">
+                <a:solidFill>
+                  <a:srgbClr val="0451A5"/>
+                </a:solidFill>
+                <a:effectLst/>
+                <a:latin typeface="Consolas" panose="020B0609020204030204" pitchFamily="49" charset="0"/>
+              </a:rPr>
+              <a:t>*</a:t>
+            </a:r>
+            <a:r>
+              <a:rPr lang="en-US" sz="1400" b="0" dirty="0">
+                <a:solidFill>
+                  <a:srgbClr val="000000"/>
+                </a:solidFill>
+                <a:effectLst/>
+                <a:latin typeface="Consolas" panose="020B0609020204030204" pitchFamily="49" charset="0"/>
+              </a:rPr>
+              <a:t>   Use simple, clean, 2D graphics.</a:t>
+            </a:r>
+          </a:p>
+          <a:p>
+            <a:pPr>
+              <a:lnSpc>
+                <a:spcPts val="1650"/>
+              </a:lnSpc>
+            </a:pPr>
+            <a:r>
+              <a:rPr lang="en-US" sz="1400" b="0" dirty="0">
+                <a:solidFill>
+                  <a:srgbClr val="000000"/>
+                </a:solidFill>
+                <a:effectLst/>
+                <a:latin typeface="Consolas" panose="020B0609020204030204" pitchFamily="49" charset="0"/>
+              </a:rPr>
+              <a:t>  </a:t>
+            </a:r>
+            <a:r>
+              <a:rPr lang="en-US" sz="1400" b="0" dirty="0">
+                <a:solidFill>
+                  <a:srgbClr val="0451A5"/>
+                </a:solidFill>
+                <a:effectLst/>
+                <a:latin typeface="Consolas" panose="020B0609020204030204" pitchFamily="49" charset="0"/>
+              </a:rPr>
+              <a:t>*</a:t>
+            </a:r>
+            <a:r>
+              <a:rPr lang="en-US" sz="1400" b="0" dirty="0">
+                <a:solidFill>
+                  <a:srgbClr val="000000"/>
+                </a:solidFill>
+                <a:effectLst/>
+                <a:latin typeface="Consolas" panose="020B0609020204030204" pitchFamily="49" charset="0"/>
+              </a:rPr>
+              <a:t>   The snake should be green, with a brighter green for the head.</a:t>
+            </a:r>
+          </a:p>
+          <a:p>
+            <a:pPr>
+              <a:lnSpc>
+                <a:spcPts val="1650"/>
+              </a:lnSpc>
+            </a:pPr>
+            <a:r>
+              <a:rPr lang="en-US" sz="1400" b="0" dirty="0">
+                <a:solidFill>
+                  <a:srgbClr val="000000"/>
+                </a:solidFill>
+                <a:effectLst/>
+                <a:latin typeface="Consolas" panose="020B0609020204030204" pitchFamily="49" charset="0"/>
+              </a:rPr>
+              <a:t>  </a:t>
+            </a:r>
+            <a:r>
+              <a:rPr lang="en-US" sz="1400" b="0" dirty="0">
+                <a:solidFill>
+                  <a:srgbClr val="0451A5"/>
+                </a:solidFill>
+                <a:effectLst/>
+                <a:latin typeface="Consolas" panose="020B0609020204030204" pitchFamily="49" charset="0"/>
+              </a:rPr>
+              <a:t>*</a:t>
+            </a:r>
+            <a:r>
+              <a:rPr lang="en-US" sz="1400" b="0" dirty="0">
+                <a:solidFill>
+                  <a:srgbClr val="000000"/>
+                </a:solidFill>
+                <a:effectLst/>
+                <a:latin typeface="Consolas" panose="020B0609020204030204" pitchFamily="49" charset="0"/>
+              </a:rPr>
+              <a:t>   Food items should be visually distinct, with a 3D-like effect (e.g., a circle with a shadow and highlight).</a:t>
+            </a:r>
+          </a:p>
+          <a:p>
+            <a:pPr>
+              <a:lnSpc>
+                <a:spcPts val="1650"/>
+              </a:lnSpc>
+            </a:pPr>
+            <a:r>
+              <a:rPr lang="en-US" sz="1400" b="0" dirty="0">
+                <a:solidFill>
+                  <a:srgbClr val="000000"/>
+                </a:solidFill>
+                <a:effectLst/>
+                <a:latin typeface="Consolas" panose="020B0609020204030204" pitchFamily="49" charset="0"/>
+              </a:rPr>
+              <a:t>  </a:t>
+            </a:r>
+            <a:r>
+              <a:rPr lang="en-US" sz="1400" b="0" dirty="0">
+                <a:solidFill>
+                  <a:srgbClr val="0451A5"/>
+                </a:solidFill>
+                <a:effectLst/>
+                <a:latin typeface="Consolas" panose="020B0609020204030204" pitchFamily="49" charset="0"/>
+              </a:rPr>
+              <a:t>*</a:t>
+            </a:r>
+            <a:r>
+              <a:rPr lang="en-US" sz="1400" b="0" dirty="0">
+                <a:solidFill>
+                  <a:srgbClr val="000000"/>
+                </a:solidFill>
+                <a:effectLst/>
+                <a:latin typeface="Consolas" panose="020B0609020204030204" pitchFamily="49" charset="0"/>
+              </a:rPr>
+              <a:t>   The background should be black.</a:t>
+            </a:r>
+          </a:p>
+          <a:p>
+            <a:pPr>
+              <a:lnSpc>
+                <a:spcPts val="1650"/>
+              </a:lnSpc>
+            </a:pPr>
+            <a:br>
+              <a:rPr lang="en-US" sz="1400" b="0" dirty="0">
+                <a:solidFill>
+                  <a:srgbClr val="000000"/>
+                </a:solidFill>
+                <a:effectLst/>
+                <a:latin typeface="Consolas" panose="020B0609020204030204" pitchFamily="49" charset="0"/>
+              </a:rPr>
+            </a:br>
+            <a:r>
+              <a:rPr lang="en-US" sz="1400" b="1" dirty="0">
+                <a:solidFill>
+                  <a:srgbClr val="000080"/>
+                </a:solidFill>
+                <a:effectLst/>
+                <a:latin typeface="Consolas" panose="020B0609020204030204" pitchFamily="49" charset="0"/>
+              </a:rPr>
+              <a:t>**User Interface (UI):**</a:t>
+            </a:r>
+            <a:endParaRPr lang="en-US" sz="1400" b="0" dirty="0">
+              <a:solidFill>
+                <a:srgbClr val="000000"/>
+              </a:solidFill>
+              <a:effectLst/>
+              <a:latin typeface="Consolas" panose="020B0609020204030204" pitchFamily="49" charset="0"/>
+            </a:endParaRPr>
+          </a:p>
+          <a:p>
+            <a:pPr>
+              <a:lnSpc>
+                <a:spcPts val="1650"/>
+              </a:lnSpc>
+            </a:pPr>
+            <a:r>
+              <a:rPr lang="en-US" sz="1400" b="0" dirty="0">
+                <a:solidFill>
+                  <a:srgbClr val="000000"/>
+                </a:solidFill>
+                <a:effectLst/>
+                <a:latin typeface="Consolas" panose="020B0609020204030204" pitchFamily="49" charset="0"/>
+              </a:rPr>
+              <a:t>  </a:t>
+            </a:r>
+            <a:r>
+              <a:rPr lang="en-US" sz="1400" b="0" dirty="0">
+                <a:solidFill>
+                  <a:srgbClr val="0451A5"/>
+                </a:solidFill>
+                <a:effectLst/>
+                <a:latin typeface="Consolas" panose="020B0609020204030204" pitchFamily="49" charset="0"/>
+              </a:rPr>
+              <a:t>*</a:t>
+            </a:r>
+            <a:r>
+              <a:rPr lang="en-US" sz="1400" b="0" dirty="0">
+                <a:solidFill>
+                  <a:srgbClr val="000000"/>
+                </a:solidFill>
+                <a:effectLst/>
+                <a:latin typeface="Consolas" panose="020B0609020204030204" pitchFamily="49" charset="0"/>
+              </a:rPr>
+              <a:t>   Display the current score in the top-left corner of the screen.</a:t>
+            </a:r>
+          </a:p>
+          <a:p>
+            <a:pPr>
+              <a:lnSpc>
+                <a:spcPts val="1650"/>
+              </a:lnSpc>
+            </a:pPr>
+            <a:r>
+              <a:rPr lang="en-US" sz="1400" b="0" dirty="0">
+                <a:solidFill>
+                  <a:srgbClr val="000000"/>
+                </a:solidFill>
+                <a:effectLst/>
+                <a:latin typeface="Consolas" panose="020B0609020204030204" pitchFamily="49" charset="0"/>
+              </a:rPr>
+              <a:t>  </a:t>
+            </a:r>
+            <a:r>
+              <a:rPr lang="en-US" sz="1400" b="0" dirty="0">
+                <a:solidFill>
+                  <a:srgbClr val="0451A5"/>
+                </a:solidFill>
+                <a:effectLst/>
+                <a:latin typeface="Consolas" panose="020B0609020204030204" pitchFamily="49" charset="0"/>
+              </a:rPr>
+              <a:t>*</a:t>
+            </a:r>
+            <a:r>
+              <a:rPr lang="en-US" sz="1400" b="0" dirty="0">
+                <a:solidFill>
+                  <a:srgbClr val="000000"/>
+                </a:solidFill>
+                <a:effectLst/>
+                <a:latin typeface="Consolas" panose="020B0609020204030204" pitchFamily="49" charset="0"/>
+              </a:rPr>
+              <a:t>   Display the number of food items currently on the screen below the score.</a:t>
+            </a:r>
+          </a:p>
+        </p:txBody>
+      </p:sp>
+      <p:pic>
+        <p:nvPicPr>
+          <p:cNvPr id="5" name="Picture 4">
+            <a:extLst>
+              <a:ext uri="{FF2B5EF4-FFF2-40B4-BE49-F238E27FC236}">
+                <a16:creationId xmlns:a16="http://schemas.microsoft.com/office/drawing/2014/main" id="{4CCA507E-F13D-94F8-7904-4F9A54D5A2AC}"/>
+              </a:ext>
+            </a:extLst>
+          </p:cNvPr>
+          <p:cNvPicPr>
+            <a:picLocks noChangeAspect="1"/>
+          </p:cNvPicPr>
+          <p:nvPr/>
+        </p:nvPicPr>
+        <p:blipFill>
+          <a:blip r:embed="rId3"/>
+          <a:stretch>
+            <a:fillRect/>
+          </a:stretch>
+        </p:blipFill>
+        <p:spPr>
+          <a:xfrm>
+            <a:off x="6160325" y="1406841"/>
+            <a:ext cx="2774756" cy="2188410"/>
+          </a:xfrm>
+          <a:prstGeom prst="rect">
+            <a:avLst/>
+          </a:prstGeom>
+        </p:spPr>
+      </p:pic>
+    </p:spTree>
+    <p:extLst>
+      <p:ext uri="{BB962C8B-B14F-4D97-AF65-F5344CB8AC3E}">
+        <p14:creationId xmlns:p14="http://schemas.microsoft.com/office/powerpoint/2010/main" val="982440725"/>
+      </p:ext>
+    </p:extLst>
+  </p:cSld>
+  <p:clrMapOvr>
+    <a:masterClrMapping/>
+  </p:clrMapOvr>
+  <p:timing>
+    <p:tnLst>
+      <p:par>
+        <p:cTn id="1" dur="indefinite" restart="never" nodeType="tmRoot">
+          <p:childTnLst>
+            <p:seq concurrent="1" nextAc="seek">
+              <p:cTn id="2" dur="indefinite" nodeType="mainSeq">
+                <p:childTnLst>
+                  <p:par>
+                    <p:cTn id="3" fill="hold">
+                      <p:stCondLst>
+                        <p:cond delay="indefinite"/>
+                      </p:stCondLst>
+                      <p:childTnLst>
+                        <p:par>
+                          <p:cTn id="4" fill="hold">
+                            <p:stCondLst>
+                              <p:cond delay="0"/>
+                            </p:stCondLst>
+                            <p:childTnLst>
+                              <p:par>
+                                <p:cTn id="5" presetID="1" presetClass="entr" presetSubtype="0" fill="hold" grpId="0" nodeType="clickEffect">
+                                  <p:stCondLst>
+                                    <p:cond delay="0"/>
+                                  </p:stCondLst>
+                                  <p:childTnLst>
+                                    <p:set>
+                                      <p:cBhvr>
+                                        <p:cTn id="6" dur="1" fill="hold">
+                                          <p:stCondLst>
+                                            <p:cond delay="0"/>
+                                          </p:stCondLst>
+                                        </p:cTn>
+                                        <p:tgtEl>
+                                          <p:spTgt spid="6"/>
+                                        </p:tgtEl>
+                                        <p:attrNameLst>
+                                          <p:attrName>style.visibility</p:attrName>
+                                        </p:attrNameLst>
+                                      </p:cBhvr>
+                                      <p:to>
+                                        <p:strVal val="visible"/>
+                                      </p:to>
+                                    </p:set>
+                                  </p:childTnLst>
+                                </p:cTn>
+                              </p:par>
+                            </p:childTnLst>
+                          </p:cTn>
+                        </p:par>
+                      </p:childTnLst>
+                    </p:cTn>
+                  </p:par>
+                </p:childTnLst>
+              </p:cTn>
+              <p:prevCondLst>
+                <p:cond evt="onPrev" delay="0">
+                  <p:tgtEl>
+                    <p:sldTgt/>
+                  </p:tgtEl>
+                </p:cond>
+              </p:prevCondLst>
+              <p:nextCondLst>
+                <p:cond evt="onNext" delay="0">
+                  <p:tgtEl>
+                    <p:sldTgt/>
+                  </p:tgtEl>
+                </p:cond>
+              </p:nextCondLst>
+            </p:seq>
+          </p:childTnLst>
+        </p:cTn>
+      </p:par>
+    </p:tnLst>
+    <p:bldLst>
+      <p:bldP spid="6" grpId="0" animBg="1"/>
+    </p:bldLst>
+  </p:timing>
+</p:sld>
+</file>
+
+<file path=ppt/slides/slide12.xml><?xml version="1.0" encoding="utf-8"?>
+<p:sld xmlns:a="http://schemas.openxmlformats.org/drawingml/2006/main" xmlns:r="http://schemas.openxmlformats.org/officeDocument/2006/relationships" xmlns:p="http://schemas.openxmlformats.org/presentationml/2006/main">
+  <p:cSld>
+    <p:spTree>
+      <p:nvGrpSpPr>
+        <p:cNvPr id="1" name=""/>
+        <p:cNvGrpSpPr/>
+        <p:nvPr/>
+      </p:nvGrpSpPr>
+      <p:grpSpPr>
+        <a:xfrm>
+          <a:off x="0" y="0"/>
+          <a:ext cx="0" cy="0"/>
+          <a:chOff x="0" y="0"/>
+          <a:chExt cx="0" cy="0"/>
+        </a:xfrm>
+      </p:grpSpPr>
+      <p:sp>
+        <p:nvSpPr>
+          <p:cNvPr id="2" name="Title 1">
+            <a:extLst>
+              <a:ext uri="{FF2B5EF4-FFF2-40B4-BE49-F238E27FC236}">
                 <a16:creationId xmlns:a16="http://schemas.microsoft.com/office/drawing/2014/main" id="{EB18709A-F054-02D7-4BE5-0DBCFFC07C9F}"/>
               </a:ext>
             </a:extLst>
@@ -9462,7 +10747,7 @@
               <a:pPr>
                 <a:defRPr/>
               </a:pPr>
-              <a:t>10</a:t>
+              <a:t>12</a:t>
             </a:fld>
             <a:endParaRPr lang="en-US" altLang="en-US" dirty="0"/>
           </a:p>
@@ -9992,7 +11277,7 @@
 </p:sld>
 </file>
 
-<file path=ppt/slides/slide11.xml><?xml version="1.0" encoding="utf-8"?>
+<file path=ppt/slides/slide13.xml><?xml version="1.0" encoding="utf-8"?>
 <p:sld xmlns:a="http://schemas.openxmlformats.org/drawingml/2006/main" xmlns:r="http://schemas.openxmlformats.org/officeDocument/2006/relationships" xmlns:p="http://schemas.openxmlformats.org/presentationml/2006/main">
   <p:cSld>
     <p:spTree>
@@ -10100,7 +11385,7 @@
               <a:pPr>
                 <a:defRPr/>
               </a:pPr>
-              <a:t>11</a:t>
+              <a:t>13</a:t>
             </a:fld>
             <a:endParaRPr lang="en-US" altLang="en-US" dirty="0"/>
           </a:p>
@@ -10301,7 +11586,7 @@
 </p:sld>
 </file>
 
-<file path=ppt/slides/slide12.xml><?xml version="1.0" encoding="utf-8"?>
+<file path=ppt/slides/slide14.xml><?xml version="1.0" encoding="utf-8"?>
 <p:sld xmlns:a="http://schemas.openxmlformats.org/drawingml/2006/main" xmlns:r="http://schemas.openxmlformats.org/officeDocument/2006/relationships" xmlns:p="http://schemas.openxmlformats.org/presentationml/2006/main">
   <p:cSld>
     <p:spTree>
@@ -10419,7 +11704,7 @@
               <a:pPr>
                 <a:defRPr/>
               </a:pPr>
-              <a:t>12</a:t>
+              <a:t>14</a:t>
             </a:fld>
             <a:endParaRPr lang="en-US" altLang="en-US" dirty="0"/>
           </a:p>
@@ -10508,7 +11793,7 @@
 </p:sld>
 </file>
 
-<file path=ppt/slides/slide13.xml><?xml version="1.0" encoding="utf-8"?>
+<file path=ppt/slides/slide15.xml><?xml version="1.0" encoding="utf-8"?>
 <p:sld xmlns:a="http://schemas.openxmlformats.org/drawingml/2006/main" xmlns:r="http://schemas.openxmlformats.org/officeDocument/2006/relationships" xmlns:p="http://schemas.openxmlformats.org/presentationml/2006/main">
   <p:cSld>
     <p:spTree>
@@ -10642,7 +11927,7 @@
               <a:pPr>
                 <a:defRPr/>
               </a:pPr>
-              <a:t>13</a:t>
+              <a:t>15</a:t>
             </a:fld>
             <a:endParaRPr lang="en-US" altLang="en-US" dirty="0"/>
           </a:p>
@@ -10732,7 +12017,7 @@
 </p:sld>
 </file>
 
-<file path=ppt/slides/slide14.xml><?xml version="1.0" encoding="utf-8"?>
+<file path=ppt/slides/slide16.xml><?xml version="1.0" encoding="utf-8"?>
 <p:sld xmlns:a="http://schemas.openxmlformats.org/drawingml/2006/main" xmlns:r="http://schemas.openxmlformats.org/officeDocument/2006/relationships" xmlns:p="http://schemas.openxmlformats.org/presentationml/2006/main">
   <p:cSld>
     <p:spTree>
@@ -10940,7 +12225,7 @@
               <a:pPr>
                 <a:defRPr/>
               </a:pPr>
-              <a:t>14</a:t>
+              <a:t>16</a:t>
             </a:fld>
             <a:endParaRPr lang="en-US" altLang="en-US" dirty="0"/>
           </a:p>
@@ -11008,7 +12293,7 @@
 </p:sld>
 </file>
 
-<file path=ppt/slides/slide15.xml><?xml version="1.0" encoding="utf-8"?>
+<file path=ppt/slides/slide17.xml><?xml version="1.0" encoding="utf-8"?>
 <p:sld xmlns:a="http://schemas.openxmlformats.org/drawingml/2006/main" xmlns:r="http://schemas.openxmlformats.org/officeDocument/2006/relationships" xmlns:p="http://schemas.openxmlformats.org/presentationml/2006/main">
   <p:cSld>
     <p:spTree>
@@ -11144,7 +12429,7 @@
               <a:pPr>
                 <a:defRPr/>
               </a:pPr>
-              <a:t>15</a:t>
+              <a:t>17</a:t>
             </a:fld>
             <a:endParaRPr lang="en-US" altLang="en-US" dirty="0"/>
           </a:p>
@@ -11208,7 +12493,7 @@
 </p:sld>
 </file>
 
-<file path=ppt/slides/slide16.xml><?xml version="1.0" encoding="utf-8"?>
+<file path=ppt/slides/slide18.xml><?xml version="1.0" encoding="utf-8"?>
 <p:sld xmlns:a="http://schemas.openxmlformats.org/drawingml/2006/main" xmlns:r="http://schemas.openxmlformats.org/officeDocument/2006/relationships" xmlns:p="http://schemas.openxmlformats.org/presentationml/2006/main">
   <p:cSld>
     <p:spTree>
@@ -11310,7 +12595,7 @@
               <a:pPr>
                 <a:defRPr/>
               </a:pPr>
-              <a:t>16</a:t>
+              <a:t>18</a:t>
             </a:fld>
             <a:endParaRPr lang="en-US" altLang="en-US" dirty="0"/>
           </a:p>
@@ -11434,7 +12719,7 @@
 </p:sld>
 </file>
 
-<file path=ppt/slides/slide17.xml><?xml version="1.0" encoding="utf-8"?>
+<file path=ppt/slides/slide19.xml><?xml version="1.0" encoding="utf-8"?>
 <p:sld xmlns:a="http://schemas.openxmlformats.org/drawingml/2006/main" xmlns:r="http://schemas.openxmlformats.org/officeDocument/2006/relationships" xmlns:p="http://schemas.openxmlformats.org/presentationml/2006/main">
   <p:cSld>
     <p:spTree>
@@ -11606,7 +12891,7 @@
               <a:pPr>
                 <a:defRPr/>
               </a:pPr>
-              <a:t>17</a:t>
+              <a:t>19</a:t>
             </a:fld>
             <a:endParaRPr lang="en-US" altLang="en-US" dirty="0"/>
           </a:p>
@@ -12889,6 +14174,353 @@
 </file>
 
 <file path=ppt/slides/slide6.xml><?xml version="1.0" encoding="utf-8"?>
+<p:sld xmlns:a="http://schemas.openxmlformats.org/drawingml/2006/main" xmlns:r="http://schemas.openxmlformats.org/officeDocument/2006/relationships" xmlns:p="http://schemas.openxmlformats.org/presentationml/2006/main" show="0">
+  <p:cSld>
+    <p:spTree>
+      <p:nvGrpSpPr>
+        <p:cNvPr id="1" name=""/>
+        <p:cNvGrpSpPr/>
+        <p:nvPr/>
+      </p:nvGrpSpPr>
+      <p:grpSpPr>
+        <a:xfrm>
+          <a:off x="0" y="0"/>
+          <a:ext cx="0" cy="0"/>
+          <a:chOff x="0" y="0"/>
+          <a:chExt cx="0" cy="0"/>
+        </a:xfrm>
+      </p:grpSpPr>
+      <p:sp>
+        <p:nvSpPr>
+          <p:cNvPr id="2" name="Title 1">
+            <a:extLst>
+              <a:ext uri="{FF2B5EF4-FFF2-40B4-BE49-F238E27FC236}">
+                <a16:creationId xmlns:a16="http://schemas.microsoft.com/office/drawing/2014/main" id="{81A84320-37EC-0CC8-9879-364DA31A5030}"/>
+              </a:ext>
+            </a:extLst>
+          </p:cNvPr>
+          <p:cNvSpPr>
+            <a:spLocks noGrp="1"/>
+          </p:cNvSpPr>
+          <p:nvPr>
+            <p:ph type="title"/>
+          </p:nvPr>
+        </p:nvSpPr>
+        <p:spPr/>
+        <p:txBody>
+          <a:bodyPr/>
+          <a:lstStyle/>
+          <a:p>
+            <a:endParaRPr lang="en-US" dirty="0"/>
+          </a:p>
+        </p:txBody>
+      </p:sp>
+      <p:sp>
+        <p:nvSpPr>
+          <p:cNvPr id="3" name="Slide Number Placeholder 2">
+            <a:extLst>
+              <a:ext uri="{FF2B5EF4-FFF2-40B4-BE49-F238E27FC236}">
+                <a16:creationId xmlns:a16="http://schemas.microsoft.com/office/drawing/2014/main" id="{08495E23-0AAA-DCF4-0ACB-2EAF330628E3}"/>
+              </a:ext>
+            </a:extLst>
+          </p:cNvPr>
+          <p:cNvSpPr>
+            <a:spLocks noGrp="1"/>
+          </p:cNvSpPr>
+          <p:nvPr>
+            <p:ph type="sldNum" sz="quarter" idx="12"/>
+          </p:nvPr>
+        </p:nvSpPr>
+        <p:spPr/>
+        <p:txBody>
+          <a:bodyPr/>
+          <a:lstStyle/>
+          <a:p>
+            <a:fld id="{D85066CB-42DE-45F8-80C5-A0A50F2BFB8D}" type="slidenum">
+              <a:rPr lang="en-US" smtClean="0"/>
+              <a:t>6</a:t>
+            </a:fld>
+            <a:endParaRPr lang="en-US"/>
+          </a:p>
+        </p:txBody>
+      </p:sp>
+      <p:grpSp>
+        <p:nvGrpSpPr>
+          <p:cNvPr id="8" name="Group 7">
+            <a:extLst>
+              <a:ext uri="{FF2B5EF4-FFF2-40B4-BE49-F238E27FC236}">
+                <a16:creationId xmlns:a16="http://schemas.microsoft.com/office/drawing/2014/main" id="{AF7FFC80-6238-3F2A-8E1D-03A94D82950C}"/>
+              </a:ext>
+            </a:extLst>
+          </p:cNvPr>
+          <p:cNvGrpSpPr/>
+          <p:nvPr/>
+        </p:nvGrpSpPr>
+        <p:grpSpPr>
+          <a:xfrm>
+            <a:off x="1480346" y="1219200"/>
+            <a:ext cx="5486400" cy="3799096"/>
+            <a:chOff x="1295400" y="533400"/>
+            <a:chExt cx="5486400" cy="3799096"/>
+          </a:xfrm>
+        </p:grpSpPr>
+        <p:pic>
+          <p:nvPicPr>
+            <p:cNvPr id="4" name="Picture 3">
+              <a:extLst>
+                <a:ext uri="{FF2B5EF4-FFF2-40B4-BE49-F238E27FC236}">
+                  <a16:creationId xmlns:a16="http://schemas.microsoft.com/office/drawing/2014/main" id="{2570CE9D-95F7-5B5B-45B2-D14742549F6B}"/>
+                </a:ext>
+              </a:extLst>
+            </p:cNvPr>
+            <p:cNvPicPr>
+              <a:picLocks noChangeAspect="1"/>
+            </p:cNvPicPr>
+            <p:nvPr/>
+          </p:nvPicPr>
+          <p:blipFill>
+            <a:blip r:embed="rId2"/>
+            <a:stretch>
+              <a:fillRect/>
+            </a:stretch>
+          </p:blipFill>
+          <p:spPr>
+            <a:xfrm>
+              <a:off x="3124200" y="533400"/>
+              <a:ext cx="3657600" cy="2884696"/>
+            </a:xfrm>
+            <a:prstGeom prst="rect">
+              <a:avLst/>
+            </a:prstGeom>
+          </p:spPr>
+        </p:pic>
+        <p:pic>
+          <p:nvPicPr>
+            <p:cNvPr id="6" name="Picture 5">
+              <a:extLst>
+                <a:ext uri="{FF2B5EF4-FFF2-40B4-BE49-F238E27FC236}">
+                  <a16:creationId xmlns:a16="http://schemas.microsoft.com/office/drawing/2014/main" id="{AD810843-3D4D-4163-7461-53268E02291A}"/>
+                </a:ext>
+              </a:extLst>
+            </p:cNvPr>
+            <p:cNvPicPr>
+              <a:picLocks noChangeAspect="1"/>
+            </p:cNvPicPr>
+            <p:nvPr/>
+          </p:nvPicPr>
+          <p:blipFill>
+            <a:blip r:embed="rId3"/>
+            <a:stretch>
+              <a:fillRect/>
+            </a:stretch>
+          </p:blipFill>
+          <p:spPr>
+            <a:xfrm>
+              <a:off x="1295400" y="1447800"/>
+              <a:ext cx="3657600" cy="2884696"/>
+            </a:xfrm>
+            <a:prstGeom prst="rect">
+              <a:avLst/>
+            </a:prstGeom>
+          </p:spPr>
+        </p:pic>
+      </p:grpSp>
+    </p:spTree>
+    <p:extLst>
+      <p:ext uri="{BB962C8B-B14F-4D97-AF65-F5344CB8AC3E}">
+        <p14:creationId xmlns:p14="http://schemas.microsoft.com/office/powerpoint/2010/main" val="1076472491"/>
+      </p:ext>
+    </p:extLst>
+  </p:cSld>
+  <p:clrMapOvr>
+    <a:masterClrMapping/>
+  </p:clrMapOvr>
+</p:sld>
+</file>
+
+<file path=ppt/slides/slide7.xml><?xml version="1.0" encoding="utf-8"?>
+<p:sld xmlns:a="http://schemas.openxmlformats.org/drawingml/2006/main" xmlns:r="http://schemas.openxmlformats.org/officeDocument/2006/relationships" xmlns:p="http://schemas.openxmlformats.org/presentationml/2006/main" show="0">
+  <p:cSld>
+    <p:spTree>
+      <p:nvGrpSpPr>
+        <p:cNvPr id="1" name="">
+          <a:extLst>
+            <a:ext uri="{FF2B5EF4-FFF2-40B4-BE49-F238E27FC236}">
+              <a16:creationId xmlns:a16="http://schemas.microsoft.com/office/drawing/2014/main" id="{B53A0CF4-410B-FFD0-8D97-EAD1281FB96E}"/>
+            </a:ext>
+          </a:extLst>
+        </p:cNvPr>
+        <p:cNvGrpSpPr/>
+        <p:nvPr/>
+      </p:nvGrpSpPr>
+      <p:grpSpPr>
+        <a:xfrm>
+          <a:off x="0" y="0"/>
+          <a:ext cx="0" cy="0"/>
+          <a:chOff x="0" y="0"/>
+          <a:chExt cx="0" cy="0"/>
+        </a:xfrm>
+      </p:grpSpPr>
+      <p:sp>
+        <p:nvSpPr>
+          <p:cNvPr id="2" name="Title 1">
+            <a:extLst>
+              <a:ext uri="{FF2B5EF4-FFF2-40B4-BE49-F238E27FC236}">
+                <a16:creationId xmlns:a16="http://schemas.microsoft.com/office/drawing/2014/main" id="{C00443B6-9814-3816-3357-6593A77F5B3B}"/>
+              </a:ext>
+            </a:extLst>
+          </p:cNvPr>
+          <p:cNvSpPr>
+            <a:spLocks noGrp="1"/>
+          </p:cNvSpPr>
+          <p:nvPr>
+            <p:ph type="title"/>
+          </p:nvPr>
+        </p:nvSpPr>
+        <p:spPr/>
+        <p:txBody>
+          <a:bodyPr/>
+          <a:lstStyle/>
+          <a:p>
+            <a:endParaRPr lang="en-US" dirty="0"/>
+          </a:p>
+        </p:txBody>
+      </p:sp>
+      <p:sp>
+        <p:nvSpPr>
+          <p:cNvPr id="3" name="Slide Number Placeholder 2">
+            <a:extLst>
+              <a:ext uri="{FF2B5EF4-FFF2-40B4-BE49-F238E27FC236}">
+                <a16:creationId xmlns:a16="http://schemas.microsoft.com/office/drawing/2014/main" id="{16CEC22B-D2CA-6F84-89F8-BF9F0D5BA82A}"/>
+              </a:ext>
+            </a:extLst>
+          </p:cNvPr>
+          <p:cNvSpPr>
+            <a:spLocks noGrp="1"/>
+          </p:cNvSpPr>
+          <p:nvPr>
+            <p:ph type="sldNum" sz="quarter" idx="12"/>
+          </p:nvPr>
+        </p:nvSpPr>
+        <p:spPr/>
+        <p:txBody>
+          <a:bodyPr/>
+          <a:lstStyle/>
+          <a:p>
+            <a:fld id="{D85066CB-42DE-45F8-80C5-A0A50F2BFB8D}" type="slidenum">
+              <a:rPr lang="en-US" smtClean="0"/>
+              <a:t>7</a:t>
+            </a:fld>
+            <a:endParaRPr lang="en-US"/>
+          </a:p>
+        </p:txBody>
+      </p:sp>
+      <p:grpSp>
+        <p:nvGrpSpPr>
+          <p:cNvPr id="11" name="Group 10">
+            <a:extLst>
+              <a:ext uri="{FF2B5EF4-FFF2-40B4-BE49-F238E27FC236}">
+                <a16:creationId xmlns:a16="http://schemas.microsoft.com/office/drawing/2014/main" id="{73118716-6D10-C14B-DA3A-2A350F658161}"/>
+              </a:ext>
+            </a:extLst>
+          </p:cNvPr>
+          <p:cNvGrpSpPr/>
+          <p:nvPr/>
+        </p:nvGrpSpPr>
+        <p:grpSpPr>
+          <a:xfrm>
+            <a:off x="351983" y="2168377"/>
+            <a:ext cx="4577940" cy="3904580"/>
+            <a:chOff x="351983" y="2168377"/>
+            <a:chExt cx="4577940" cy="3904580"/>
+          </a:xfrm>
+        </p:grpSpPr>
+        <p:pic>
+          <p:nvPicPr>
+            <p:cNvPr id="10" name="Picture 9" descr="A screenshot of a computer&#10;&#10;Description automatically generated">
+              <a:extLst>
+                <a:ext uri="{FF2B5EF4-FFF2-40B4-BE49-F238E27FC236}">
+                  <a16:creationId xmlns:a16="http://schemas.microsoft.com/office/drawing/2014/main" id="{8030E2CF-6AAE-98DF-778F-6369B3CD515A}"/>
+                </a:ext>
+              </a:extLst>
+            </p:cNvPr>
+            <p:cNvPicPr>
+              <a:picLocks noChangeAspect="1"/>
+            </p:cNvPicPr>
+            <p:nvPr/>
+          </p:nvPicPr>
+          <p:blipFill>
+            <a:blip r:embed="rId2">
+              <a:extLst>
+                <a:ext uri="{28A0092B-C50C-407E-A947-70E740481C1C}">
+                  <a14:useLocalDpi xmlns:a14="http://schemas.microsoft.com/office/drawing/2010/main" val="0"/>
+                </a:ext>
+              </a:extLst>
+            </a:blip>
+            <a:srcRect l="7936" r="9524"/>
+            <a:stretch/>
+          </p:blipFill>
+          <p:spPr>
+            <a:xfrm>
+              <a:off x="351983" y="2168377"/>
+              <a:ext cx="3962400" cy="2521245"/>
+            </a:xfrm>
+            <a:prstGeom prst="rect">
+              <a:avLst/>
+            </a:prstGeom>
+          </p:spPr>
+        </p:pic>
+        <p:pic>
+          <p:nvPicPr>
+            <p:cNvPr id="8" name="Picture 7" descr="A screenshot of a computer&#10;&#10;Description automatically generated">
+              <a:extLst>
+                <a:ext uri="{FF2B5EF4-FFF2-40B4-BE49-F238E27FC236}">
+                  <a16:creationId xmlns:a16="http://schemas.microsoft.com/office/drawing/2014/main" id="{F2288675-7216-EF0D-079E-5BD574BE69C7}"/>
+                </a:ext>
+              </a:extLst>
+            </p:cNvPr>
+            <p:cNvPicPr>
+              <a:picLocks noChangeAspect="1"/>
+            </p:cNvPicPr>
+            <p:nvPr/>
+          </p:nvPicPr>
+          <p:blipFill>
+            <a:blip r:embed="rId3">
+              <a:extLst>
+                <a:ext uri="{28A0092B-C50C-407E-A947-70E740481C1C}">
+                  <a14:useLocalDpi xmlns:a14="http://schemas.microsoft.com/office/drawing/2010/main" val="0"/>
+                </a:ext>
+              </a:extLst>
+            </a:blip>
+            <a:stretch>
+              <a:fillRect/>
+            </a:stretch>
+          </p:blipFill>
+          <p:spPr>
+            <a:xfrm>
+              <a:off x="1371600" y="3581400"/>
+              <a:ext cx="3558323" cy="2491557"/>
+            </a:xfrm>
+            <a:prstGeom prst="rect">
+              <a:avLst/>
+            </a:prstGeom>
+          </p:spPr>
+        </p:pic>
+      </p:grpSp>
+    </p:spTree>
+    <p:extLst>
+      <p:ext uri="{BB962C8B-B14F-4D97-AF65-F5344CB8AC3E}">
+        <p14:creationId xmlns:p14="http://schemas.microsoft.com/office/powerpoint/2010/main" val="1678153265"/>
+      </p:ext>
+    </p:extLst>
+  </p:cSld>
+  <p:clrMapOvr>
+    <a:masterClrMapping/>
+  </p:clrMapOvr>
+</p:sld>
+</file>
+
+<file path=ppt/slides/slide8.xml><?xml version="1.0" encoding="utf-8"?>
 <p:sld xmlns:a="http://schemas.openxmlformats.org/drawingml/2006/main" xmlns:r="http://schemas.openxmlformats.org/officeDocument/2006/relationships" xmlns:p="http://schemas.openxmlformats.org/presentationml/2006/main">
   <p:cSld>
     <p:spTree>
@@ -12968,7 +14600,7 @@
               <a:pPr>
                 <a:defRPr/>
               </a:pPr>
-              <a:t>6</a:t>
+              <a:t>8</a:t>
             </a:fld>
             <a:endParaRPr lang="en-US" altLang="en-US" dirty="0"/>
           </a:p>
@@ -13820,7 +15452,7 @@
 </p:sld>
 </file>
 
-<file path=ppt/slides/slide7.xml><?xml version="1.0" encoding="utf-8"?>
+<file path=ppt/slides/slide9.xml><?xml version="1.0" encoding="utf-8"?>
 <p:sld xmlns:a="http://schemas.openxmlformats.org/drawingml/2006/main" xmlns:r="http://schemas.openxmlformats.org/officeDocument/2006/relationships" xmlns:p="http://schemas.openxmlformats.org/presentationml/2006/main">
   <p:cSld>
     <p:spTree>
@@ -13942,7 +15574,7 @@
               <a:pPr>
                 <a:defRPr/>
               </a:pPr>
-              <a:t>7</a:t>
+              <a:t>9</a:t>
             </a:fld>
             <a:endParaRPr lang="en-US" altLang="en-US" dirty="0"/>
           </a:p>
@@ -14109,1289 +15741,6 @@
     </p:tnLst>
     <p:bldLst>
       <p:bldP spid="9" grpId="0" animBg="1"/>
-    </p:bldLst>
-  </p:timing>
-</p:sld>
-</file>
-
-<file path=ppt/slides/slide8.xml><?xml version="1.0" encoding="utf-8"?>
-<p:sld xmlns:a="http://schemas.openxmlformats.org/drawingml/2006/main" xmlns:r="http://schemas.openxmlformats.org/officeDocument/2006/relationships" xmlns:p="http://schemas.openxmlformats.org/presentationml/2006/main">
-  <p:cSld>
-    <p:spTree>
-      <p:nvGrpSpPr>
-        <p:cNvPr id="1" name=""/>
-        <p:cNvGrpSpPr/>
-        <p:nvPr/>
-      </p:nvGrpSpPr>
-      <p:grpSpPr>
-        <a:xfrm>
-          <a:off x="0" y="0"/>
-          <a:ext cx="0" cy="0"/>
-          <a:chOff x="0" y="0"/>
-          <a:chExt cx="0" cy="0"/>
-        </a:xfrm>
-      </p:grpSpPr>
-      <p:sp>
-        <p:nvSpPr>
-          <p:cNvPr id="2" name="Title 1">
-            <a:extLst>
-              <a:ext uri="{FF2B5EF4-FFF2-40B4-BE49-F238E27FC236}">
-                <a16:creationId xmlns:a16="http://schemas.microsoft.com/office/drawing/2014/main" id="{BED875E8-4F08-44CF-B373-8CC742DEBB94}"/>
-              </a:ext>
-            </a:extLst>
-          </p:cNvPr>
-          <p:cNvSpPr>
-            <a:spLocks noGrp="1"/>
-          </p:cNvSpPr>
-          <p:nvPr>
-            <p:ph type="title"/>
-          </p:nvPr>
-        </p:nvSpPr>
-        <p:spPr/>
-        <p:txBody>
-          <a:bodyPr/>
-          <a:lstStyle/>
-          <a:p>
-            <a:r>
-              <a:rPr lang="en-US" dirty="0"/>
-              <a:t>Step 2:  Gameplay Mechanics</a:t>
-            </a:r>
-          </a:p>
-        </p:txBody>
-      </p:sp>
-      <p:sp>
-        <p:nvSpPr>
-          <p:cNvPr id="3" name="Content Placeholder 2">
-            <a:extLst>
-              <a:ext uri="{FF2B5EF4-FFF2-40B4-BE49-F238E27FC236}">
-                <a16:creationId xmlns:a16="http://schemas.microsoft.com/office/drawing/2014/main" id="{CA9BC69E-5571-25C4-95FE-1DC2E2A3D838}"/>
-              </a:ext>
-            </a:extLst>
-          </p:cNvPr>
-          <p:cNvSpPr>
-            <a:spLocks noGrp="1"/>
-          </p:cNvSpPr>
-          <p:nvPr>
-            <p:ph idx="1"/>
-          </p:nvPr>
-        </p:nvSpPr>
-        <p:spPr/>
-        <p:txBody>
-          <a:bodyPr/>
-          <a:lstStyle/>
-          <a:p>
-            <a:r>
-              <a:rPr lang="en-US" sz="1800" b="1" dirty="0"/>
-              <a:t>Game Board</a:t>
-            </a:r>
-            <a:r>
-              <a:rPr lang="en-US" sz="1800" dirty="0"/>
-              <a:t>: The play area. (e.g., 800x600 window, 20x20 grid)</a:t>
-            </a:r>
-          </a:p>
-          <a:p>
-            <a:r>
-              <a:rPr lang="en-US" sz="1800" b="1" dirty="0"/>
-              <a:t>The Player (Snake)</a:t>
-            </a:r>
-            <a:r>
-              <a:rPr lang="en-US" sz="1800" dirty="0"/>
-              <a:t>: How does the player move and interact? (e.g., Starts in center, controlled by WASD, can't reverse).</a:t>
-            </a:r>
-          </a:p>
-          <a:p>
-            <a:r>
-              <a:rPr lang="en-US" sz="1800" b="1" dirty="0"/>
-              <a:t>The Goal (Food)</a:t>
-            </a:r>
-            <a:r>
-              <a:rPr lang="en-US" sz="1800" dirty="0"/>
-              <a:t>: What does the player try to achieve? (e.g., Randomly appearing food, snake grows when it eats).</a:t>
-            </a:r>
-          </a:p>
-          <a:p>
-            <a:r>
-              <a:rPr lang="en-US" sz="1800" b="1" dirty="0"/>
-              <a:t>Rules (Scoring &amp; Game Over)</a:t>
-            </a:r>
-            <a:r>
-              <a:rPr lang="en-US" sz="1800" dirty="0"/>
-              <a:t>: How do you win or lose? (e.g., +10 points per food, game ends on collision).</a:t>
-            </a:r>
-          </a:p>
-          <a:p>
-            <a:r>
-              <a:rPr lang="en-US" sz="1800" b="1" dirty="0"/>
-              <a:t>Game Flow</a:t>
-            </a:r>
-            <a:r>
-              <a:rPr lang="en-US" sz="1800" dirty="0"/>
-              <a:t>: How does the game state change? (e.g., Restart with 'R' key).</a:t>
-            </a:r>
-          </a:p>
-        </p:txBody>
-      </p:sp>
-      <p:sp>
-        <p:nvSpPr>
-          <p:cNvPr id="4" name="Slide Number Placeholder 3">
-            <a:extLst>
-              <a:ext uri="{FF2B5EF4-FFF2-40B4-BE49-F238E27FC236}">
-                <a16:creationId xmlns:a16="http://schemas.microsoft.com/office/drawing/2014/main" id="{E9B79F01-36EB-A063-BED6-080E699E5505}"/>
-              </a:ext>
-            </a:extLst>
-          </p:cNvPr>
-          <p:cNvSpPr>
-            <a:spLocks noGrp="1"/>
-          </p:cNvSpPr>
-          <p:nvPr>
-            <p:ph type="sldNum" sz="quarter" idx="4"/>
-          </p:nvPr>
-        </p:nvSpPr>
-        <p:spPr/>
-        <p:txBody>
-          <a:bodyPr/>
-          <a:lstStyle/>
-          <a:p>
-            <a:pPr>
-              <a:defRPr/>
-            </a:pPr>
-            <a:fld id="{C3099B72-DEA2-4ACC-9A6B-2F17D54AC7BB}" type="slidenum">
-              <a:rPr lang="en-US" altLang="en-US" smtClean="0"/>
-              <a:pPr>
-                <a:defRPr/>
-              </a:pPr>
-              <a:t>8</a:t>
-            </a:fld>
-            <a:endParaRPr lang="en-US" altLang="en-US" dirty="0"/>
-          </a:p>
-        </p:txBody>
-      </p:sp>
-      <p:sp>
-        <p:nvSpPr>
-          <p:cNvPr id="10" name="TextBox 9">
-            <a:extLst>
-              <a:ext uri="{FF2B5EF4-FFF2-40B4-BE49-F238E27FC236}">
-                <a16:creationId xmlns:a16="http://schemas.microsoft.com/office/drawing/2014/main" id="{F478A3FD-6B2B-94AB-8B1C-3CFCD9291494}"/>
-              </a:ext>
-            </a:extLst>
-          </p:cNvPr>
-          <p:cNvSpPr txBox="1"/>
-          <p:nvPr/>
-        </p:nvSpPr>
-        <p:spPr>
-          <a:xfrm>
-            <a:off x="1143000" y="3624502"/>
-            <a:ext cx="7467600" cy="2700098"/>
-          </a:xfrm>
-          <a:prstGeom prst="rect">
-            <a:avLst/>
-          </a:prstGeom>
-          <a:noFill/>
-          <a:ln>
-            <a:solidFill>
-              <a:schemeClr val="accent1"/>
-            </a:solidFill>
-          </a:ln>
-        </p:spPr>
-        <p:txBody>
-          <a:bodyPr wrap="square">
-            <a:spAutoFit/>
-          </a:bodyPr>
-          <a:lstStyle/>
-          <a:p>
-            <a:pPr>
-              <a:lnSpc>
-                <a:spcPts val="1650"/>
-              </a:lnSpc>
-            </a:pPr>
-            <a:r>
-              <a:rPr lang="en-US" sz="1400" b="1" dirty="0">
-                <a:solidFill>
-                  <a:srgbClr val="800000"/>
-                </a:solidFill>
-                <a:effectLst/>
-                <a:latin typeface="Consolas" panose="020B0609020204030204" pitchFamily="49" charset="0"/>
-              </a:rPr>
-              <a:t>## 2. Core Gameplay Mechanics</a:t>
-            </a:r>
-            <a:endParaRPr lang="en-US" sz="1400" b="0" dirty="0">
-              <a:solidFill>
-                <a:srgbClr val="000000"/>
-              </a:solidFill>
-              <a:effectLst/>
-              <a:latin typeface="Consolas" panose="020B0609020204030204" pitchFamily="49" charset="0"/>
-            </a:endParaRPr>
-          </a:p>
-          <a:p>
-            <a:pPr>
-              <a:lnSpc>
-                <a:spcPts val="1650"/>
-              </a:lnSpc>
-            </a:pPr>
-            <a:r>
-              <a:rPr lang="en-US" sz="1400" b="0" dirty="0">
-                <a:solidFill>
-                  <a:srgbClr val="000000"/>
-                </a:solidFill>
-                <a:effectLst/>
-                <a:latin typeface="Consolas" panose="020B0609020204030204" pitchFamily="49" charset="0"/>
-              </a:rPr>
-              <a:t> </a:t>
-            </a:r>
-            <a:r>
-              <a:rPr lang="en-US" sz="1400" b="1" dirty="0">
-                <a:solidFill>
-                  <a:srgbClr val="000080"/>
-                </a:solidFill>
-                <a:effectLst/>
-                <a:latin typeface="Consolas" panose="020B0609020204030204" pitchFamily="49" charset="0"/>
-              </a:rPr>
-              <a:t>**Game Board:**</a:t>
-            </a:r>
-            <a:endParaRPr lang="en-US" sz="1400" b="0" dirty="0">
-              <a:solidFill>
-                <a:srgbClr val="000000"/>
-              </a:solidFill>
-              <a:effectLst/>
-              <a:latin typeface="Consolas" panose="020B0609020204030204" pitchFamily="49" charset="0"/>
-            </a:endParaRPr>
-          </a:p>
-          <a:p>
-            <a:pPr>
-              <a:lnSpc>
-                <a:spcPts val="1650"/>
-              </a:lnSpc>
-            </a:pPr>
-            <a:r>
-              <a:rPr lang="en-US" sz="1400" b="0" dirty="0">
-                <a:solidFill>
-                  <a:srgbClr val="000000"/>
-                </a:solidFill>
-                <a:effectLst/>
-                <a:latin typeface="Consolas" panose="020B0609020204030204" pitchFamily="49" charset="0"/>
-              </a:rPr>
-              <a:t>    </a:t>
-            </a:r>
-            <a:r>
-              <a:rPr lang="en-US" sz="1400" b="0" dirty="0">
-                <a:solidFill>
-                  <a:srgbClr val="0451A5"/>
-                </a:solidFill>
-                <a:effectLst/>
-                <a:latin typeface="Consolas" panose="020B0609020204030204" pitchFamily="49" charset="0"/>
-              </a:rPr>
-              <a:t>*</a:t>
-            </a:r>
-            <a:r>
-              <a:rPr lang="en-US" sz="1400" b="0" dirty="0">
-                <a:solidFill>
-                  <a:srgbClr val="000000"/>
-                </a:solidFill>
-                <a:effectLst/>
-                <a:latin typeface="Consolas" panose="020B0609020204030204" pitchFamily="49" charset="0"/>
-              </a:rPr>
-              <a:t>   The game should be played on a grid-based window.</a:t>
-            </a:r>
-          </a:p>
-          <a:p>
-            <a:pPr>
-              <a:lnSpc>
-                <a:spcPts val="1650"/>
-              </a:lnSpc>
-            </a:pPr>
-            <a:r>
-              <a:rPr lang="en-US" sz="1400" b="0" dirty="0">
-                <a:solidFill>
-                  <a:srgbClr val="000000"/>
-                </a:solidFill>
-                <a:effectLst/>
-                <a:latin typeface="Consolas" panose="020B0609020204030204" pitchFamily="49" charset="0"/>
-              </a:rPr>
-              <a:t>    </a:t>
-            </a:r>
-            <a:r>
-              <a:rPr lang="en-US" sz="1400" b="0" dirty="0">
-                <a:solidFill>
-                  <a:srgbClr val="0451A5"/>
-                </a:solidFill>
-                <a:effectLst/>
-                <a:latin typeface="Consolas" panose="020B0609020204030204" pitchFamily="49" charset="0"/>
-              </a:rPr>
-              <a:t>*</a:t>
-            </a:r>
-            <a:r>
-              <a:rPr lang="en-US" sz="1400" b="0" dirty="0">
-                <a:solidFill>
-                  <a:srgbClr val="000000"/>
-                </a:solidFill>
-                <a:effectLst/>
-                <a:latin typeface="Consolas" panose="020B0609020204030204" pitchFamily="49" charset="0"/>
-              </a:rPr>
-              <a:t>   Window dimensions: 800x600 pixels.</a:t>
-            </a:r>
-          </a:p>
-          <a:p>
-            <a:pPr>
-              <a:lnSpc>
-                <a:spcPts val="1650"/>
-              </a:lnSpc>
-            </a:pPr>
-            <a:r>
-              <a:rPr lang="en-US" sz="1400" b="0" dirty="0">
-                <a:solidFill>
-                  <a:srgbClr val="000000"/>
-                </a:solidFill>
-                <a:effectLst/>
-                <a:latin typeface="Consolas" panose="020B0609020204030204" pitchFamily="49" charset="0"/>
-              </a:rPr>
-              <a:t>    </a:t>
-            </a:r>
-            <a:r>
-              <a:rPr lang="en-US" sz="1400" b="0" dirty="0">
-                <a:solidFill>
-                  <a:srgbClr val="0451A5"/>
-                </a:solidFill>
-                <a:effectLst/>
-                <a:latin typeface="Consolas" panose="020B0609020204030204" pitchFamily="49" charset="0"/>
-              </a:rPr>
-              <a:t>*</a:t>
-            </a:r>
-            <a:r>
-              <a:rPr lang="en-US" sz="1400" b="0" dirty="0">
-                <a:solidFill>
-                  <a:srgbClr val="000000"/>
-                </a:solidFill>
-                <a:effectLst/>
-                <a:latin typeface="Consolas" panose="020B0609020204030204" pitchFamily="49" charset="0"/>
-              </a:rPr>
-              <a:t>   Grid size: 20x20 pixels.</a:t>
-            </a:r>
-          </a:p>
-          <a:p>
-            <a:pPr>
-              <a:lnSpc>
-                <a:spcPts val="1650"/>
-              </a:lnSpc>
-            </a:pPr>
-            <a:r>
-              <a:rPr lang="en-US" sz="1400" b="0" dirty="0">
-                <a:solidFill>
-                  <a:srgbClr val="000000"/>
-                </a:solidFill>
-                <a:effectLst/>
-                <a:latin typeface="Consolas" panose="020B0609020204030204" pitchFamily="49" charset="0"/>
-              </a:rPr>
-              <a:t> </a:t>
-            </a:r>
-            <a:r>
-              <a:rPr lang="en-US" sz="1400" b="1" dirty="0">
-                <a:solidFill>
-                  <a:srgbClr val="000080"/>
-                </a:solidFill>
-                <a:effectLst/>
-                <a:latin typeface="Consolas" panose="020B0609020204030204" pitchFamily="49" charset="0"/>
-              </a:rPr>
-              <a:t>**Snake:**</a:t>
-            </a:r>
-            <a:endParaRPr lang="en-US" sz="1400" b="0" dirty="0">
-              <a:solidFill>
-                <a:srgbClr val="000000"/>
-              </a:solidFill>
-              <a:effectLst/>
-              <a:latin typeface="Consolas" panose="020B0609020204030204" pitchFamily="49" charset="0"/>
-            </a:endParaRPr>
-          </a:p>
-          <a:p>
-            <a:pPr>
-              <a:lnSpc>
-                <a:spcPts val="1650"/>
-              </a:lnSpc>
-            </a:pPr>
-            <a:r>
-              <a:rPr lang="en-US" sz="1400" b="0" dirty="0">
-                <a:solidFill>
-                  <a:srgbClr val="000000"/>
-                </a:solidFill>
-                <a:effectLst/>
-                <a:latin typeface="Consolas" panose="020B0609020204030204" pitchFamily="49" charset="0"/>
-              </a:rPr>
-              <a:t>    </a:t>
-            </a:r>
-            <a:r>
-              <a:rPr lang="en-US" sz="1400" b="0" dirty="0">
-                <a:solidFill>
-                  <a:srgbClr val="0451A5"/>
-                </a:solidFill>
-                <a:effectLst/>
-                <a:latin typeface="Consolas" panose="020B0609020204030204" pitchFamily="49" charset="0"/>
-              </a:rPr>
-              <a:t>*</a:t>
-            </a:r>
-            <a:r>
-              <a:rPr lang="en-US" sz="1400" b="0" dirty="0">
-                <a:solidFill>
-                  <a:srgbClr val="000000"/>
-                </a:solidFill>
-                <a:effectLst/>
-                <a:latin typeface="Consolas" panose="020B0609020204030204" pitchFamily="49" charset="0"/>
-              </a:rPr>
-              <a:t>   The snake starts in the center of the screen, moving horizontally.</a:t>
-            </a:r>
-          </a:p>
-          <a:p>
-            <a:pPr>
-              <a:lnSpc>
-                <a:spcPts val="1650"/>
-              </a:lnSpc>
-            </a:pPr>
-            <a:r>
-              <a:rPr lang="en-US" sz="1400" b="0" dirty="0">
-                <a:solidFill>
-                  <a:srgbClr val="000000"/>
-                </a:solidFill>
-                <a:effectLst/>
-                <a:latin typeface="Consolas" panose="020B0609020204030204" pitchFamily="49" charset="0"/>
-              </a:rPr>
-              <a:t>    </a:t>
-            </a:r>
-            <a:r>
-              <a:rPr lang="en-US" sz="1400" b="0" dirty="0">
-                <a:solidFill>
-                  <a:srgbClr val="0451A5"/>
-                </a:solidFill>
-                <a:effectLst/>
-                <a:latin typeface="Consolas" panose="020B0609020204030204" pitchFamily="49" charset="0"/>
-              </a:rPr>
-              <a:t>*</a:t>
-            </a:r>
-            <a:r>
-              <a:rPr lang="en-US" sz="1400" b="0" dirty="0">
-                <a:solidFill>
-                  <a:srgbClr val="000000"/>
-                </a:solidFill>
-                <a:effectLst/>
-                <a:latin typeface="Consolas" panose="020B0609020204030204" pitchFamily="49" charset="0"/>
-              </a:rPr>
-              <a:t>   The snake is composed of square segments, fitting the grid.</a:t>
-            </a:r>
-          </a:p>
-          <a:p>
-            <a:pPr>
-              <a:lnSpc>
-                <a:spcPts val="1650"/>
-              </a:lnSpc>
-            </a:pPr>
-            <a:r>
-              <a:rPr lang="en-US" sz="1400" b="0" dirty="0">
-                <a:solidFill>
-                  <a:srgbClr val="000000"/>
-                </a:solidFill>
-                <a:effectLst/>
-                <a:latin typeface="Consolas" panose="020B0609020204030204" pitchFamily="49" charset="0"/>
-              </a:rPr>
-              <a:t>    </a:t>
-            </a:r>
-            <a:r>
-              <a:rPr lang="en-US" sz="1400" b="0" dirty="0">
-                <a:solidFill>
-                  <a:srgbClr val="0451A5"/>
-                </a:solidFill>
-                <a:effectLst/>
-                <a:latin typeface="Consolas" panose="020B0609020204030204" pitchFamily="49" charset="0"/>
-              </a:rPr>
-              <a:t>*</a:t>
-            </a:r>
-            <a:r>
-              <a:rPr lang="en-US" sz="1400" b="0" dirty="0">
-                <a:solidFill>
-                  <a:srgbClr val="000000"/>
-                </a:solidFill>
-                <a:effectLst/>
-                <a:latin typeface="Consolas" panose="020B0609020204030204" pitchFamily="49" charset="0"/>
-              </a:rPr>
-              <a:t>   The snake's head should be a distinct color from its body.</a:t>
-            </a:r>
-          </a:p>
-          <a:p>
-            <a:pPr>
-              <a:lnSpc>
-                <a:spcPts val="1650"/>
-              </a:lnSpc>
-            </a:pPr>
-            <a:r>
-              <a:rPr lang="en-US" sz="1400" b="0" dirty="0">
-                <a:solidFill>
-                  <a:srgbClr val="000000"/>
-                </a:solidFill>
-                <a:effectLst/>
-                <a:latin typeface="Consolas" panose="020B0609020204030204" pitchFamily="49" charset="0"/>
-              </a:rPr>
-              <a:t>    </a:t>
-            </a:r>
-            <a:r>
-              <a:rPr lang="en-US" sz="1400" b="0" dirty="0">
-                <a:solidFill>
-                  <a:srgbClr val="0451A5"/>
-                </a:solidFill>
-                <a:effectLst/>
-                <a:latin typeface="Consolas" panose="020B0609020204030204" pitchFamily="49" charset="0"/>
-              </a:rPr>
-              <a:t>*</a:t>
-            </a:r>
-            <a:r>
-              <a:rPr lang="en-US" sz="1400" b="0" dirty="0">
-                <a:solidFill>
-                  <a:srgbClr val="000000"/>
-                </a:solidFill>
-                <a:effectLst/>
-                <a:latin typeface="Consolas" panose="020B0609020204030204" pitchFamily="49" charset="0"/>
-              </a:rPr>
-              <a:t>   The snake continuously moves in its current direction.</a:t>
-            </a:r>
-          </a:p>
-          <a:p>
-            <a:pPr>
-              <a:lnSpc>
-                <a:spcPts val="1650"/>
-              </a:lnSpc>
-            </a:pPr>
-            <a:r>
-              <a:rPr lang="en-US" sz="1400" b="0" dirty="0">
-                <a:solidFill>
-                  <a:srgbClr val="000000"/>
-                </a:solidFill>
-                <a:effectLst/>
-                <a:latin typeface="Consolas" panose="020B0609020204030204" pitchFamily="49" charset="0"/>
-              </a:rPr>
-              <a:t>    </a:t>
-            </a:r>
-            <a:r>
-              <a:rPr lang="en-US" sz="1400" b="0" dirty="0">
-                <a:solidFill>
-                  <a:srgbClr val="0451A5"/>
-                </a:solidFill>
-                <a:effectLst/>
-                <a:latin typeface="Consolas" panose="020B0609020204030204" pitchFamily="49" charset="0"/>
-              </a:rPr>
-              <a:t>*</a:t>
-            </a:r>
-            <a:r>
-              <a:rPr lang="en-US" sz="1400" b="0" dirty="0">
-                <a:solidFill>
-                  <a:srgbClr val="000000"/>
-                </a:solidFill>
-                <a:effectLst/>
-                <a:latin typeface="Consolas" panose="020B0609020204030204" pitchFamily="49" charset="0"/>
-              </a:rPr>
-              <a:t>   The player can change the snake's direction using WASD keys.</a:t>
-            </a:r>
-          </a:p>
-          <a:p>
-            <a:pPr>
-              <a:lnSpc>
-                <a:spcPts val="1650"/>
-              </a:lnSpc>
-            </a:pPr>
-            <a:r>
-              <a:rPr lang="en-US" sz="1400" dirty="0">
-                <a:solidFill>
-                  <a:srgbClr val="000000"/>
-                </a:solidFill>
-                <a:latin typeface="Consolas" panose="020B0609020204030204" pitchFamily="49" charset="0"/>
-              </a:rPr>
-              <a:t>…</a:t>
-            </a:r>
-            <a:endParaRPr lang="en-US" sz="1400" b="0" dirty="0">
-              <a:solidFill>
-                <a:srgbClr val="000000"/>
-              </a:solidFill>
-              <a:effectLst/>
-              <a:latin typeface="Consolas" panose="020B0609020204030204" pitchFamily="49" charset="0"/>
-            </a:endParaRPr>
-          </a:p>
-        </p:txBody>
-      </p:sp>
-    </p:spTree>
-    <p:extLst>
-      <p:ext uri="{BB962C8B-B14F-4D97-AF65-F5344CB8AC3E}">
-        <p14:creationId xmlns:p14="http://schemas.microsoft.com/office/powerpoint/2010/main" val="3593668273"/>
-      </p:ext>
-    </p:extLst>
-  </p:cSld>
-  <p:clrMapOvr>
-    <a:masterClrMapping/>
-  </p:clrMapOvr>
-  <p:timing>
-    <p:tnLst>
-      <p:par>
-        <p:cTn id="1" dur="indefinite" restart="never" nodeType="tmRoot">
-          <p:childTnLst>
-            <p:seq concurrent="1" nextAc="seek">
-              <p:cTn id="2" dur="indefinite" nodeType="mainSeq">
-                <p:childTnLst>
-                  <p:par>
-                    <p:cTn id="3" fill="hold">
-                      <p:stCondLst>
-                        <p:cond delay="indefinite"/>
-                      </p:stCondLst>
-                      <p:childTnLst>
-                        <p:par>
-                          <p:cTn id="4" fill="hold">
-                            <p:stCondLst>
-                              <p:cond delay="0"/>
-                            </p:stCondLst>
-                            <p:childTnLst>
-                              <p:par>
-                                <p:cTn id="5" presetID="1" presetClass="entr" presetSubtype="0" fill="hold" grpId="0" nodeType="clickEffect">
-                                  <p:stCondLst>
-                                    <p:cond delay="0"/>
-                                  </p:stCondLst>
-                                  <p:childTnLst>
-                                    <p:set>
-                                      <p:cBhvr>
-                                        <p:cTn id="6" dur="1" fill="hold">
-                                          <p:stCondLst>
-                                            <p:cond delay="0"/>
-                                          </p:stCondLst>
-                                        </p:cTn>
-                                        <p:tgtEl>
-                                          <p:spTgt spid="10"/>
-                                        </p:tgtEl>
-                                        <p:attrNameLst>
-                                          <p:attrName>style.visibility</p:attrName>
-                                        </p:attrNameLst>
-                                      </p:cBhvr>
-                                      <p:to>
-                                        <p:strVal val="visible"/>
-                                      </p:to>
-                                    </p:set>
-                                  </p:childTnLst>
-                                </p:cTn>
-                              </p:par>
-                            </p:childTnLst>
-                          </p:cTn>
-                        </p:par>
-                      </p:childTnLst>
-                    </p:cTn>
-                  </p:par>
-                </p:childTnLst>
-              </p:cTn>
-              <p:prevCondLst>
-                <p:cond evt="onPrev" delay="0">
-                  <p:tgtEl>
-                    <p:sldTgt/>
-                  </p:tgtEl>
-                </p:cond>
-              </p:prevCondLst>
-              <p:nextCondLst>
-                <p:cond evt="onNext" delay="0">
-                  <p:tgtEl>
-                    <p:sldTgt/>
-                  </p:tgtEl>
-                </p:cond>
-              </p:nextCondLst>
-            </p:seq>
-          </p:childTnLst>
-        </p:cTn>
-      </p:par>
-    </p:tnLst>
-    <p:bldLst>
-      <p:bldP spid="10" grpId="0" animBg="1"/>
-    </p:bldLst>
-  </p:timing>
-</p:sld>
-</file>
-
-<file path=ppt/slides/slide9.xml><?xml version="1.0" encoding="utf-8"?>
-<p:sld xmlns:a="http://schemas.openxmlformats.org/drawingml/2006/main" xmlns:r="http://schemas.openxmlformats.org/officeDocument/2006/relationships" xmlns:p="http://schemas.openxmlformats.org/presentationml/2006/main">
-  <p:cSld>
-    <p:spTree>
-      <p:nvGrpSpPr>
-        <p:cNvPr id="1" name=""/>
-        <p:cNvGrpSpPr/>
-        <p:nvPr/>
-      </p:nvGrpSpPr>
-      <p:grpSpPr>
-        <a:xfrm>
-          <a:off x="0" y="0"/>
-          <a:ext cx="0" cy="0"/>
-          <a:chOff x="0" y="0"/>
-          <a:chExt cx="0" cy="0"/>
-        </a:xfrm>
-      </p:grpSpPr>
-      <p:sp>
-        <p:nvSpPr>
-          <p:cNvPr id="2" name="Title 1">
-            <a:extLst>
-              <a:ext uri="{FF2B5EF4-FFF2-40B4-BE49-F238E27FC236}">
-                <a16:creationId xmlns:a16="http://schemas.microsoft.com/office/drawing/2014/main" id="{180B227D-F236-7E70-F25C-54CF7D0C5170}"/>
-              </a:ext>
-            </a:extLst>
-          </p:cNvPr>
-          <p:cNvSpPr>
-            <a:spLocks noGrp="1"/>
-          </p:cNvSpPr>
-          <p:nvPr>
-            <p:ph type="title"/>
-          </p:nvPr>
-        </p:nvSpPr>
-        <p:spPr/>
-        <p:txBody>
-          <a:bodyPr/>
-          <a:lstStyle/>
-          <a:p>
-            <a:r>
-              <a:rPr lang="en-US" dirty="0"/>
-              <a:t>Step 3: GUI Design</a:t>
-            </a:r>
-          </a:p>
-        </p:txBody>
-      </p:sp>
-      <p:sp>
-        <p:nvSpPr>
-          <p:cNvPr id="3" name="Content Placeholder 2">
-            <a:extLst>
-              <a:ext uri="{FF2B5EF4-FFF2-40B4-BE49-F238E27FC236}">
-                <a16:creationId xmlns:a16="http://schemas.microsoft.com/office/drawing/2014/main" id="{9C4010FD-19A0-14D8-89FC-49BA7E3FAAA0}"/>
-              </a:ext>
-            </a:extLst>
-          </p:cNvPr>
-          <p:cNvSpPr>
-            <a:spLocks noGrp="1"/>
-          </p:cNvSpPr>
-          <p:nvPr>
-            <p:ph idx="1"/>
-          </p:nvPr>
-        </p:nvSpPr>
-        <p:spPr>
-          <a:xfrm>
-            <a:off x="0" y="1143004"/>
-            <a:ext cx="6172200" cy="4525963"/>
-          </a:xfrm>
-        </p:spPr>
-        <p:txBody>
-          <a:bodyPr/>
-          <a:lstStyle/>
-          <a:p>
-            <a:r>
-              <a:rPr lang="en-US" b="1" dirty="0"/>
-              <a:t>User Interface (UI)</a:t>
-            </a:r>
-            <a:r>
-              <a:rPr lang="en-US" dirty="0"/>
-              <a:t>: What information does the player need? (e.g., Display the score in the top-left corner).</a:t>
-            </a:r>
-          </a:p>
-          <a:p>
-            <a:r>
-              <a:rPr lang="en-US" b="1" dirty="0"/>
-              <a:t>Graphics &amp; Art Style</a:t>
-            </a:r>
-            <a:r>
-              <a:rPr lang="en-US" dirty="0"/>
-              <a:t>: Define the aesthetic. Simple and clean is a great starting point. (e.g., Green snake, red food, black background).</a:t>
-            </a:r>
-          </a:p>
-          <a:p>
-            <a:r>
-              <a:rPr lang="en-US" b="1" dirty="0"/>
-              <a:t>Sound</a:t>
-            </a:r>
-            <a:r>
-              <a:rPr lang="en-US" dirty="0"/>
-              <a:t>: Don't forget audio! For our example, we'll keep it simple. (e.g., No sound effects).</a:t>
-            </a:r>
-          </a:p>
-        </p:txBody>
-      </p:sp>
-      <p:sp>
-        <p:nvSpPr>
-          <p:cNvPr id="4" name="Slide Number Placeholder 3">
-            <a:extLst>
-              <a:ext uri="{FF2B5EF4-FFF2-40B4-BE49-F238E27FC236}">
-                <a16:creationId xmlns:a16="http://schemas.microsoft.com/office/drawing/2014/main" id="{1B17E4A0-F4EB-DC92-3F29-1DEC172C6E46}"/>
-              </a:ext>
-            </a:extLst>
-          </p:cNvPr>
-          <p:cNvSpPr>
-            <a:spLocks noGrp="1"/>
-          </p:cNvSpPr>
-          <p:nvPr>
-            <p:ph type="sldNum" sz="quarter" idx="4"/>
-          </p:nvPr>
-        </p:nvSpPr>
-        <p:spPr/>
-        <p:txBody>
-          <a:bodyPr/>
-          <a:lstStyle/>
-          <a:p>
-            <a:pPr>
-              <a:defRPr/>
-            </a:pPr>
-            <a:fld id="{C3099B72-DEA2-4ACC-9A6B-2F17D54AC7BB}" type="slidenum">
-              <a:rPr lang="en-US" altLang="en-US" smtClean="0"/>
-              <a:pPr>
-                <a:defRPr/>
-              </a:pPr>
-              <a:t>9</a:t>
-            </a:fld>
-            <a:endParaRPr lang="en-US" altLang="en-US" dirty="0"/>
-          </a:p>
-        </p:txBody>
-      </p:sp>
-      <p:sp>
-        <p:nvSpPr>
-          <p:cNvPr id="6" name="TextBox 5">
-            <a:extLst>
-              <a:ext uri="{FF2B5EF4-FFF2-40B4-BE49-F238E27FC236}">
-                <a16:creationId xmlns:a16="http://schemas.microsoft.com/office/drawing/2014/main" id="{5EDC093F-AECB-4B56-13D2-1273A101EB2F}"/>
-              </a:ext>
-            </a:extLst>
-          </p:cNvPr>
-          <p:cNvSpPr txBox="1"/>
-          <p:nvPr/>
-        </p:nvSpPr>
-        <p:spPr>
-          <a:xfrm>
-            <a:off x="990600" y="3806001"/>
-            <a:ext cx="8077200" cy="2482090"/>
-          </a:xfrm>
-          <a:prstGeom prst="rect">
-            <a:avLst/>
-          </a:prstGeom>
-          <a:noFill/>
-          <a:ln>
-            <a:solidFill>
-              <a:schemeClr val="accent1"/>
-            </a:solidFill>
-          </a:ln>
-        </p:spPr>
-        <p:txBody>
-          <a:bodyPr wrap="square">
-            <a:spAutoFit/>
-          </a:bodyPr>
-          <a:lstStyle/>
-          <a:p>
-            <a:pPr>
-              <a:lnSpc>
-                <a:spcPts val="1650"/>
-              </a:lnSpc>
-            </a:pPr>
-            <a:r>
-              <a:rPr lang="en-US" sz="1400" b="1" dirty="0">
-                <a:solidFill>
-                  <a:srgbClr val="800000"/>
-                </a:solidFill>
-                <a:effectLst/>
-                <a:latin typeface="Consolas" panose="020B0609020204030204" pitchFamily="49" charset="0"/>
-              </a:rPr>
-              <a:t>## 3. GUI</a:t>
-            </a:r>
-            <a:endParaRPr lang="en-US" sz="1400" b="0" dirty="0">
-              <a:solidFill>
-                <a:srgbClr val="000000"/>
-              </a:solidFill>
-              <a:effectLst/>
-              <a:latin typeface="Consolas" panose="020B0609020204030204" pitchFamily="49" charset="0"/>
-            </a:endParaRPr>
-          </a:p>
-          <a:p>
-            <a:pPr>
-              <a:lnSpc>
-                <a:spcPts val="1650"/>
-              </a:lnSpc>
-            </a:pPr>
-            <a:r>
-              <a:rPr lang="en-US" sz="1400" b="1" dirty="0">
-                <a:solidFill>
-                  <a:srgbClr val="000080"/>
-                </a:solidFill>
-                <a:effectLst/>
-                <a:latin typeface="Consolas" panose="020B0609020204030204" pitchFamily="49" charset="0"/>
-              </a:rPr>
-              <a:t>**Graphics:**</a:t>
-            </a:r>
-            <a:endParaRPr lang="en-US" sz="1400" b="0" dirty="0">
-              <a:solidFill>
-                <a:srgbClr val="000000"/>
-              </a:solidFill>
-              <a:effectLst/>
-              <a:latin typeface="Consolas" panose="020B0609020204030204" pitchFamily="49" charset="0"/>
-            </a:endParaRPr>
-          </a:p>
-          <a:p>
-            <a:pPr>
-              <a:lnSpc>
-                <a:spcPts val="1650"/>
-              </a:lnSpc>
-            </a:pPr>
-            <a:r>
-              <a:rPr lang="en-US" sz="1400" b="0" dirty="0">
-                <a:solidFill>
-                  <a:srgbClr val="000000"/>
-                </a:solidFill>
-                <a:effectLst/>
-                <a:latin typeface="Consolas" panose="020B0609020204030204" pitchFamily="49" charset="0"/>
-              </a:rPr>
-              <a:t>  </a:t>
-            </a:r>
-            <a:r>
-              <a:rPr lang="en-US" sz="1400" b="0" dirty="0">
-                <a:solidFill>
-                  <a:srgbClr val="0451A5"/>
-                </a:solidFill>
-                <a:effectLst/>
-                <a:latin typeface="Consolas" panose="020B0609020204030204" pitchFamily="49" charset="0"/>
-              </a:rPr>
-              <a:t>*</a:t>
-            </a:r>
-            <a:r>
-              <a:rPr lang="en-US" sz="1400" b="0" dirty="0">
-                <a:solidFill>
-                  <a:srgbClr val="000000"/>
-                </a:solidFill>
-                <a:effectLst/>
-                <a:latin typeface="Consolas" panose="020B0609020204030204" pitchFamily="49" charset="0"/>
-              </a:rPr>
-              <a:t>   Use simple, clean, 2D graphics.</a:t>
-            </a:r>
-          </a:p>
-          <a:p>
-            <a:pPr>
-              <a:lnSpc>
-                <a:spcPts val="1650"/>
-              </a:lnSpc>
-            </a:pPr>
-            <a:r>
-              <a:rPr lang="en-US" sz="1400" b="0" dirty="0">
-                <a:solidFill>
-                  <a:srgbClr val="000000"/>
-                </a:solidFill>
-                <a:effectLst/>
-                <a:latin typeface="Consolas" panose="020B0609020204030204" pitchFamily="49" charset="0"/>
-              </a:rPr>
-              <a:t>  </a:t>
-            </a:r>
-            <a:r>
-              <a:rPr lang="en-US" sz="1400" b="0" dirty="0">
-                <a:solidFill>
-                  <a:srgbClr val="0451A5"/>
-                </a:solidFill>
-                <a:effectLst/>
-                <a:latin typeface="Consolas" panose="020B0609020204030204" pitchFamily="49" charset="0"/>
-              </a:rPr>
-              <a:t>*</a:t>
-            </a:r>
-            <a:r>
-              <a:rPr lang="en-US" sz="1400" b="0" dirty="0">
-                <a:solidFill>
-                  <a:srgbClr val="000000"/>
-                </a:solidFill>
-                <a:effectLst/>
-                <a:latin typeface="Consolas" panose="020B0609020204030204" pitchFamily="49" charset="0"/>
-              </a:rPr>
-              <a:t>   The snake should be green, with a brighter green for the head.</a:t>
-            </a:r>
-          </a:p>
-          <a:p>
-            <a:pPr>
-              <a:lnSpc>
-                <a:spcPts val="1650"/>
-              </a:lnSpc>
-            </a:pPr>
-            <a:r>
-              <a:rPr lang="en-US" sz="1400" b="0" dirty="0">
-                <a:solidFill>
-                  <a:srgbClr val="000000"/>
-                </a:solidFill>
-                <a:effectLst/>
-                <a:latin typeface="Consolas" panose="020B0609020204030204" pitchFamily="49" charset="0"/>
-              </a:rPr>
-              <a:t>  </a:t>
-            </a:r>
-            <a:r>
-              <a:rPr lang="en-US" sz="1400" b="0" dirty="0">
-                <a:solidFill>
-                  <a:srgbClr val="0451A5"/>
-                </a:solidFill>
-                <a:effectLst/>
-                <a:latin typeface="Consolas" panose="020B0609020204030204" pitchFamily="49" charset="0"/>
-              </a:rPr>
-              <a:t>*</a:t>
-            </a:r>
-            <a:r>
-              <a:rPr lang="en-US" sz="1400" b="0" dirty="0">
-                <a:solidFill>
-                  <a:srgbClr val="000000"/>
-                </a:solidFill>
-                <a:effectLst/>
-                <a:latin typeface="Consolas" panose="020B0609020204030204" pitchFamily="49" charset="0"/>
-              </a:rPr>
-              <a:t>   Food items should be visually distinct, with a 3D-like effect (e.g., a circle with a shadow and highlight).</a:t>
-            </a:r>
-          </a:p>
-          <a:p>
-            <a:pPr>
-              <a:lnSpc>
-                <a:spcPts val="1650"/>
-              </a:lnSpc>
-            </a:pPr>
-            <a:r>
-              <a:rPr lang="en-US" sz="1400" b="0" dirty="0">
-                <a:solidFill>
-                  <a:srgbClr val="000000"/>
-                </a:solidFill>
-                <a:effectLst/>
-                <a:latin typeface="Consolas" panose="020B0609020204030204" pitchFamily="49" charset="0"/>
-              </a:rPr>
-              <a:t>  </a:t>
-            </a:r>
-            <a:r>
-              <a:rPr lang="en-US" sz="1400" b="0" dirty="0">
-                <a:solidFill>
-                  <a:srgbClr val="0451A5"/>
-                </a:solidFill>
-                <a:effectLst/>
-                <a:latin typeface="Consolas" panose="020B0609020204030204" pitchFamily="49" charset="0"/>
-              </a:rPr>
-              <a:t>*</a:t>
-            </a:r>
-            <a:r>
-              <a:rPr lang="en-US" sz="1400" b="0" dirty="0">
-                <a:solidFill>
-                  <a:srgbClr val="000000"/>
-                </a:solidFill>
-                <a:effectLst/>
-                <a:latin typeface="Consolas" panose="020B0609020204030204" pitchFamily="49" charset="0"/>
-              </a:rPr>
-              <a:t>   The background should be black.</a:t>
-            </a:r>
-          </a:p>
-          <a:p>
-            <a:pPr>
-              <a:lnSpc>
-                <a:spcPts val="1650"/>
-              </a:lnSpc>
-            </a:pPr>
-            <a:br>
-              <a:rPr lang="en-US" sz="1400" b="0" dirty="0">
-                <a:solidFill>
-                  <a:srgbClr val="000000"/>
-                </a:solidFill>
-                <a:effectLst/>
-                <a:latin typeface="Consolas" panose="020B0609020204030204" pitchFamily="49" charset="0"/>
-              </a:rPr>
-            </a:br>
-            <a:r>
-              <a:rPr lang="en-US" sz="1400" b="1" dirty="0">
-                <a:solidFill>
-                  <a:srgbClr val="000080"/>
-                </a:solidFill>
-                <a:effectLst/>
-                <a:latin typeface="Consolas" panose="020B0609020204030204" pitchFamily="49" charset="0"/>
-              </a:rPr>
-              <a:t>**User Interface (UI):**</a:t>
-            </a:r>
-            <a:endParaRPr lang="en-US" sz="1400" b="0" dirty="0">
-              <a:solidFill>
-                <a:srgbClr val="000000"/>
-              </a:solidFill>
-              <a:effectLst/>
-              <a:latin typeface="Consolas" panose="020B0609020204030204" pitchFamily="49" charset="0"/>
-            </a:endParaRPr>
-          </a:p>
-          <a:p>
-            <a:pPr>
-              <a:lnSpc>
-                <a:spcPts val="1650"/>
-              </a:lnSpc>
-            </a:pPr>
-            <a:r>
-              <a:rPr lang="en-US" sz="1400" b="0" dirty="0">
-                <a:solidFill>
-                  <a:srgbClr val="000000"/>
-                </a:solidFill>
-                <a:effectLst/>
-                <a:latin typeface="Consolas" panose="020B0609020204030204" pitchFamily="49" charset="0"/>
-              </a:rPr>
-              <a:t>  </a:t>
-            </a:r>
-            <a:r>
-              <a:rPr lang="en-US" sz="1400" b="0" dirty="0">
-                <a:solidFill>
-                  <a:srgbClr val="0451A5"/>
-                </a:solidFill>
-                <a:effectLst/>
-                <a:latin typeface="Consolas" panose="020B0609020204030204" pitchFamily="49" charset="0"/>
-              </a:rPr>
-              <a:t>*</a:t>
-            </a:r>
-            <a:r>
-              <a:rPr lang="en-US" sz="1400" b="0" dirty="0">
-                <a:solidFill>
-                  <a:srgbClr val="000000"/>
-                </a:solidFill>
-                <a:effectLst/>
-                <a:latin typeface="Consolas" panose="020B0609020204030204" pitchFamily="49" charset="0"/>
-              </a:rPr>
-              <a:t>   Display the current score in the top-left corner of the screen.</a:t>
-            </a:r>
-          </a:p>
-          <a:p>
-            <a:pPr>
-              <a:lnSpc>
-                <a:spcPts val="1650"/>
-              </a:lnSpc>
-            </a:pPr>
-            <a:r>
-              <a:rPr lang="en-US" sz="1400" b="0" dirty="0">
-                <a:solidFill>
-                  <a:srgbClr val="000000"/>
-                </a:solidFill>
-                <a:effectLst/>
-                <a:latin typeface="Consolas" panose="020B0609020204030204" pitchFamily="49" charset="0"/>
-              </a:rPr>
-              <a:t>  </a:t>
-            </a:r>
-            <a:r>
-              <a:rPr lang="en-US" sz="1400" b="0" dirty="0">
-                <a:solidFill>
-                  <a:srgbClr val="0451A5"/>
-                </a:solidFill>
-                <a:effectLst/>
-                <a:latin typeface="Consolas" panose="020B0609020204030204" pitchFamily="49" charset="0"/>
-              </a:rPr>
-              <a:t>*</a:t>
-            </a:r>
-            <a:r>
-              <a:rPr lang="en-US" sz="1400" b="0" dirty="0">
-                <a:solidFill>
-                  <a:srgbClr val="000000"/>
-                </a:solidFill>
-                <a:effectLst/>
-                <a:latin typeface="Consolas" panose="020B0609020204030204" pitchFamily="49" charset="0"/>
-              </a:rPr>
-              <a:t>   Display the number of food items currently on the screen below the score.</a:t>
-            </a:r>
-          </a:p>
-        </p:txBody>
-      </p:sp>
-      <p:pic>
-        <p:nvPicPr>
-          <p:cNvPr id="5" name="Picture 4">
-            <a:extLst>
-              <a:ext uri="{FF2B5EF4-FFF2-40B4-BE49-F238E27FC236}">
-                <a16:creationId xmlns:a16="http://schemas.microsoft.com/office/drawing/2014/main" id="{4CCA507E-F13D-94F8-7904-4F9A54D5A2AC}"/>
-              </a:ext>
-            </a:extLst>
-          </p:cNvPr>
-          <p:cNvPicPr>
-            <a:picLocks noChangeAspect="1"/>
-          </p:cNvPicPr>
-          <p:nvPr/>
-        </p:nvPicPr>
-        <p:blipFill>
-          <a:blip r:embed="rId3"/>
-          <a:stretch>
-            <a:fillRect/>
-          </a:stretch>
-        </p:blipFill>
-        <p:spPr>
-          <a:xfrm>
-            <a:off x="6160325" y="1406841"/>
-            <a:ext cx="2774756" cy="2188410"/>
-          </a:xfrm>
-          <a:prstGeom prst="rect">
-            <a:avLst/>
-          </a:prstGeom>
-        </p:spPr>
-      </p:pic>
-    </p:spTree>
-    <p:extLst>
-      <p:ext uri="{BB962C8B-B14F-4D97-AF65-F5344CB8AC3E}">
-        <p14:creationId xmlns:p14="http://schemas.microsoft.com/office/powerpoint/2010/main" val="982440725"/>
-      </p:ext>
-    </p:extLst>
-  </p:cSld>
-  <p:clrMapOvr>
-    <a:masterClrMapping/>
-  </p:clrMapOvr>
-  <p:timing>
-    <p:tnLst>
-      <p:par>
-        <p:cTn id="1" dur="indefinite" restart="never" nodeType="tmRoot">
-          <p:childTnLst>
-            <p:seq concurrent="1" nextAc="seek">
-              <p:cTn id="2" dur="indefinite" nodeType="mainSeq">
-                <p:childTnLst>
-                  <p:par>
-                    <p:cTn id="3" fill="hold">
-                      <p:stCondLst>
-                        <p:cond delay="indefinite"/>
-                      </p:stCondLst>
-                      <p:childTnLst>
-                        <p:par>
-                          <p:cTn id="4" fill="hold">
-                            <p:stCondLst>
-                              <p:cond delay="0"/>
-                            </p:stCondLst>
-                            <p:childTnLst>
-                              <p:par>
-                                <p:cTn id="5" presetID="1" presetClass="entr" presetSubtype="0" fill="hold" grpId="0" nodeType="clickEffect">
-                                  <p:stCondLst>
-                                    <p:cond delay="0"/>
-                                  </p:stCondLst>
-                                  <p:childTnLst>
-                                    <p:set>
-                                      <p:cBhvr>
-                                        <p:cTn id="6" dur="1" fill="hold">
-                                          <p:stCondLst>
-                                            <p:cond delay="0"/>
-                                          </p:stCondLst>
-                                        </p:cTn>
-                                        <p:tgtEl>
-                                          <p:spTgt spid="6"/>
-                                        </p:tgtEl>
-                                        <p:attrNameLst>
-                                          <p:attrName>style.visibility</p:attrName>
-                                        </p:attrNameLst>
-                                      </p:cBhvr>
-                                      <p:to>
-                                        <p:strVal val="visible"/>
-                                      </p:to>
-                                    </p:set>
-                                  </p:childTnLst>
-                                </p:cTn>
-                              </p:par>
-                            </p:childTnLst>
-                          </p:cTn>
-                        </p:par>
-                      </p:childTnLst>
-                    </p:cTn>
-                  </p:par>
-                </p:childTnLst>
-              </p:cTn>
-              <p:prevCondLst>
-                <p:cond evt="onPrev" delay="0">
-                  <p:tgtEl>
-                    <p:sldTgt/>
-                  </p:tgtEl>
-                </p:cond>
-              </p:prevCondLst>
-              <p:nextCondLst>
-                <p:cond evt="onNext" delay="0">
-                  <p:tgtEl>
-                    <p:sldTgt/>
-                  </p:tgtEl>
-                </p:cond>
-              </p:nextCondLst>
-            </p:seq>
-          </p:childTnLst>
-        </p:cTn>
-      </p:par>
-    </p:tnLst>
-    <p:bldLst>
-      <p:bldP spid="6" grpId="0" animBg="1"/>
     </p:bldLst>
   </p:timing>
 </p:sld>
